--- a/notes_slides/VICReg_and_related_works.pptx
+++ b/notes_slides/VICReg_and_related_works.pptx
@@ -13,22 +13,26 @@
     <p:sldId id="261" r:id="rId7"/>
     <p:sldId id="262" r:id="rId8"/>
     <p:sldId id="263" r:id="rId9"/>
-    <p:sldId id="264" r:id="rId10"/>
-    <p:sldId id="266" r:id="rId11"/>
-    <p:sldId id="269" r:id="rId12"/>
-    <p:sldId id="271" r:id="rId13"/>
-    <p:sldId id="267" r:id="rId14"/>
-    <p:sldId id="272" r:id="rId15"/>
-    <p:sldId id="273" r:id="rId16"/>
-    <p:sldId id="274" r:id="rId17"/>
-    <p:sldId id="276" r:id="rId18"/>
-    <p:sldId id="275" r:id="rId19"/>
-    <p:sldId id="278" r:id="rId20"/>
-    <p:sldId id="277" r:id="rId21"/>
-    <p:sldId id="279" r:id="rId22"/>
-    <p:sldId id="268" r:id="rId23"/>
-    <p:sldId id="270" r:id="rId24"/>
-    <p:sldId id="260" r:id="rId25"/>
+    <p:sldId id="281" r:id="rId10"/>
+    <p:sldId id="264" r:id="rId11"/>
+    <p:sldId id="266" r:id="rId12"/>
+    <p:sldId id="269" r:id="rId13"/>
+    <p:sldId id="271" r:id="rId14"/>
+    <p:sldId id="280" r:id="rId15"/>
+    <p:sldId id="283" r:id="rId16"/>
+    <p:sldId id="282" r:id="rId17"/>
+    <p:sldId id="267" r:id="rId18"/>
+    <p:sldId id="272" r:id="rId19"/>
+    <p:sldId id="273" r:id="rId20"/>
+    <p:sldId id="274" r:id="rId21"/>
+    <p:sldId id="276" r:id="rId22"/>
+    <p:sldId id="275" r:id="rId23"/>
+    <p:sldId id="278" r:id="rId24"/>
+    <p:sldId id="277" r:id="rId25"/>
+    <p:sldId id="279" r:id="rId26"/>
+    <p:sldId id="268" r:id="rId27"/>
+    <p:sldId id="270" r:id="rId28"/>
+    <p:sldId id="260" r:id="rId29"/>
   </p:sldIdLst>
   <p:sldSz cx="12192000" cy="6858000"/>
   <p:notesSz cx="6858000" cy="9144000"/>
@@ -127,6 +131,11 @@
       </a:defRPr>
     </a:lvl9pPr>
   </p:defaultTextStyle>
+  <p:extLst>
+    <p:ext uri="{EFAFB233-063F-42B5-8137-9DF3F51BA10A}">
+      <p15:sldGuideLst xmlns:p15="http://schemas.microsoft.com/office/powerpoint/2012/main"/>
+    </p:ext>
+  </p:extLst>
 </p:presentation>
 </file>
 
@@ -277,7 +286,7 @@
           <a:p>
             <a:fld id="{592E27D4-A661-4F17-8E12-541A4D5091AD}" type="datetimeFigureOut">
               <a:rPr lang="en-US" smtClean="0"/>
-              <a:t>1/3/2023</a:t>
+              <a:t>1/4/2023</a:t>
             </a:fld>
             <a:endParaRPr lang="en-US"/>
           </a:p>
@@ -475,7 +484,7 @@
           <a:p>
             <a:fld id="{592E27D4-A661-4F17-8E12-541A4D5091AD}" type="datetimeFigureOut">
               <a:rPr lang="en-US" smtClean="0"/>
-              <a:t>1/3/2023</a:t>
+              <a:t>1/4/2023</a:t>
             </a:fld>
             <a:endParaRPr lang="en-US"/>
           </a:p>
@@ -683,7 +692,7 @@
           <a:p>
             <a:fld id="{592E27D4-A661-4F17-8E12-541A4D5091AD}" type="datetimeFigureOut">
               <a:rPr lang="en-US" smtClean="0"/>
-              <a:t>1/3/2023</a:t>
+              <a:t>1/4/2023</a:t>
             </a:fld>
             <a:endParaRPr lang="en-US"/>
           </a:p>
@@ -881,7 +890,7 @@
           <a:p>
             <a:fld id="{592E27D4-A661-4F17-8E12-541A4D5091AD}" type="datetimeFigureOut">
               <a:rPr lang="en-US" smtClean="0"/>
-              <a:t>1/3/2023</a:t>
+              <a:t>1/4/2023</a:t>
             </a:fld>
             <a:endParaRPr lang="en-US"/>
           </a:p>
@@ -1156,7 +1165,7 @@
           <a:p>
             <a:fld id="{592E27D4-A661-4F17-8E12-541A4D5091AD}" type="datetimeFigureOut">
               <a:rPr lang="en-US" smtClean="0"/>
-              <a:t>1/3/2023</a:t>
+              <a:t>1/4/2023</a:t>
             </a:fld>
             <a:endParaRPr lang="en-US"/>
           </a:p>
@@ -1421,7 +1430,7 @@
           <a:p>
             <a:fld id="{592E27D4-A661-4F17-8E12-541A4D5091AD}" type="datetimeFigureOut">
               <a:rPr lang="en-US" smtClean="0"/>
-              <a:t>1/3/2023</a:t>
+              <a:t>1/4/2023</a:t>
             </a:fld>
             <a:endParaRPr lang="en-US"/>
           </a:p>
@@ -1833,7 +1842,7 @@
           <a:p>
             <a:fld id="{592E27D4-A661-4F17-8E12-541A4D5091AD}" type="datetimeFigureOut">
               <a:rPr lang="en-US" smtClean="0"/>
-              <a:t>1/3/2023</a:t>
+              <a:t>1/4/2023</a:t>
             </a:fld>
             <a:endParaRPr lang="en-US"/>
           </a:p>
@@ -1974,7 +1983,7 @@
           <a:p>
             <a:fld id="{592E27D4-A661-4F17-8E12-541A4D5091AD}" type="datetimeFigureOut">
               <a:rPr lang="en-US" smtClean="0"/>
-              <a:t>1/3/2023</a:t>
+              <a:t>1/4/2023</a:t>
             </a:fld>
             <a:endParaRPr lang="en-US"/>
           </a:p>
@@ -2087,7 +2096,7 @@
           <a:p>
             <a:fld id="{592E27D4-A661-4F17-8E12-541A4D5091AD}" type="datetimeFigureOut">
               <a:rPr lang="en-US" smtClean="0"/>
-              <a:t>1/3/2023</a:t>
+              <a:t>1/4/2023</a:t>
             </a:fld>
             <a:endParaRPr lang="en-US"/>
           </a:p>
@@ -2398,7 +2407,7 @@
           <a:p>
             <a:fld id="{592E27D4-A661-4F17-8E12-541A4D5091AD}" type="datetimeFigureOut">
               <a:rPr lang="en-US" smtClean="0"/>
-              <a:t>1/3/2023</a:t>
+              <a:t>1/4/2023</a:t>
             </a:fld>
             <a:endParaRPr lang="en-US"/>
           </a:p>
@@ -2686,7 +2695,7 @@
           <a:p>
             <a:fld id="{592E27D4-A661-4F17-8E12-541A4D5091AD}" type="datetimeFigureOut">
               <a:rPr lang="en-US" smtClean="0"/>
-              <a:t>1/3/2023</a:t>
+              <a:t>1/4/2023</a:t>
             </a:fld>
             <a:endParaRPr lang="en-US"/>
           </a:p>
@@ -2927,7 +2936,7 @@
           <a:p>
             <a:fld id="{592E27D4-A661-4F17-8E12-541A4D5091AD}" type="datetimeFigureOut">
               <a:rPr lang="en-US" smtClean="0"/>
-              <a:t>1/3/2023</a:t>
+              <a:t>1/4/2023</a:t>
             </a:fld>
             <a:endParaRPr lang="en-US"/>
           </a:p>
@@ -3441,6 +3450,66 @@
           <p:cNvPr id="5" name="Picture 4">
             <a:extLst>
               <a:ext uri="{FF2B5EF4-FFF2-40B4-BE49-F238E27FC236}">
+                <a16:creationId xmlns:a16="http://schemas.microsoft.com/office/drawing/2014/main" id="{470F2E83-2FAD-8B4B-F9EE-CCEC392CE01E}"/>
+              </a:ext>
+            </a:extLst>
+          </p:cNvPr>
+          <p:cNvPicPr>
+            <a:picLocks noChangeAspect="1"/>
+          </p:cNvPicPr>
+          <p:nvPr/>
+        </p:nvPicPr>
+        <p:blipFill>
+          <a:blip r:embed="rId2"/>
+          <a:stretch>
+            <a:fillRect/>
+          </a:stretch>
+        </p:blipFill>
+        <p:spPr>
+          <a:xfrm>
+            <a:off x="0" y="1532407"/>
+            <a:ext cx="12192000" cy="3793186"/>
+          </a:xfrm>
+          <a:prstGeom prst="rect">
+            <a:avLst/>
+          </a:prstGeom>
+        </p:spPr>
+      </p:pic>
+    </p:spTree>
+    <p:extLst>
+      <p:ext uri="{BB962C8B-B14F-4D97-AF65-F5344CB8AC3E}">
+        <p14:creationId xmlns:p14="http://schemas.microsoft.com/office/powerpoint/2010/main" val="1085502609"/>
+      </p:ext>
+    </p:extLst>
+  </p:cSld>
+  <p:clrMapOvr>
+    <a:masterClrMapping/>
+  </p:clrMapOvr>
+</p:sld>
+</file>
+
+<file path=ppt/slides/slide11.xml><?xml version="1.0" encoding="utf-8"?>
+<p:sld xmlns:a="http://schemas.openxmlformats.org/drawingml/2006/main" xmlns:r="http://schemas.openxmlformats.org/officeDocument/2006/relationships" xmlns:p="http://schemas.openxmlformats.org/presentationml/2006/main">
+  <p:cSld>
+    <p:spTree>
+      <p:nvGrpSpPr>
+        <p:cNvPr id="1" name=""/>
+        <p:cNvGrpSpPr/>
+        <p:nvPr/>
+      </p:nvGrpSpPr>
+      <p:grpSpPr>
+        <a:xfrm>
+          <a:off x="0" y="0"/>
+          <a:ext cx="0" cy="0"/>
+          <a:chOff x="0" y="0"/>
+          <a:chExt cx="0" cy="0"/>
+        </a:xfrm>
+      </p:grpSpPr>
+      <p:pic>
+        <p:nvPicPr>
+          <p:cNvPr id="5" name="Picture 4">
+            <a:extLst>
+              <a:ext uri="{FF2B5EF4-FFF2-40B4-BE49-F238E27FC236}">
                 <a16:creationId xmlns:a16="http://schemas.microsoft.com/office/drawing/2014/main" id="{FF705246-D5C5-112A-EC66-1DF50A51D636}"/>
               </a:ext>
             </a:extLst>
@@ -3506,8 +3575,8 @@
           </a:prstGeom>
         </p:spPr>
       </p:pic>
-      <mc:AlternateContent xmlns:mc="http://schemas.openxmlformats.org/markup-compatibility/2006">
-        <mc:Choice xmlns:a14="http://schemas.microsoft.com/office/drawing/2010/main" Requires="a14">
+      <mc:AlternateContent xmlns:mc="http://schemas.openxmlformats.org/markup-compatibility/2006" xmlns:a14="http://schemas.microsoft.com/office/drawing/2010/main">
+        <mc:Choice Requires="a14">
           <p:sp>
             <p:nvSpPr>
               <p:cNvPr id="12" name="TextBox 11">
@@ -3555,7 +3624,7 @@
             </p:txBody>
           </p:sp>
         </mc:Choice>
-        <mc:Fallback>
+        <mc:Fallback xmlns="">
           <p:sp>
             <p:nvSpPr>
               <p:cNvPr id="12" name="TextBox 11">
@@ -3613,7 +3682,7 @@
 </p:sld>
 </file>
 
-<file path=ppt/slides/slide11.xml><?xml version="1.0" encoding="utf-8"?>
+<file path=ppt/slides/slide12.xml><?xml version="1.0" encoding="utf-8"?>
 <p:sld xmlns:a="http://schemas.openxmlformats.org/drawingml/2006/main" xmlns:r="http://schemas.openxmlformats.org/officeDocument/2006/relationships" xmlns:p="http://schemas.openxmlformats.org/presentationml/2006/main">
   <p:cSld>
     <p:spTree>
@@ -3895,119 +3964,6 @@
     <p:extLst>
       <p:ext uri="{BB962C8B-B14F-4D97-AF65-F5344CB8AC3E}">
         <p14:creationId xmlns:p14="http://schemas.microsoft.com/office/powerpoint/2010/main" val="4045298479"/>
-      </p:ext>
-    </p:extLst>
-  </p:cSld>
-  <p:clrMapOvr>
-    <a:masterClrMapping/>
-  </p:clrMapOvr>
-</p:sld>
-</file>
-
-<file path=ppt/slides/slide12.xml><?xml version="1.0" encoding="utf-8"?>
-<p:sld xmlns:a="http://schemas.openxmlformats.org/drawingml/2006/main" xmlns:r="http://schemas.openxmlformats.org/officeDocument/2006/relationships" xmlns:p="http://schemas.openxmlformats.org/presentationml/2006/main">
-  <p:cSld>
-    <p:spTree>
-      <p:nvGrpSpPr>
-        <p:cNvPr id="1" name=""/>
-        <p:cNvGrpSpPr/>
-        <p:nvPr/>
-      </p:nvGrpSpPr>
-      <p:grpSpPr>
-        <a:xfrm>
-          <a:off x="0" y="0"/>
-          <a:ext cx="0" cy="0"/>
-          <a:chOff x="0" y="0"/>
-          <a:chExt cx="0" cy="0"/>
-        </a:xfrm>
-      </p:grpSpPr>
-      <p:sp>
-        <p:nvSpPr>
-          <p:cNvPr id="2" name="Title 1">
-            <a:extLst>
-              <a:ext uri="{FF2B5EF4-FFF2-40B4-BE49-F238E27FC236}">
-                <a16:creationId xmlns:a16="http://schemas.microsoft.com/office/drawing/2014/main" id="{2A9C4256-3E39-9117-E027-91BB7E999424}"/>
-              </a:ext>
-            </a:extLst>
-          </p:cNvPr>
-          <p:cNvSpPr>
-            <a:spLocks noGrp="1"/>
-          </p:cNvSpPr>
-          <p:nvPr>
-            <p:ph type="title"/>
-          </p:nvPr>
-        </p:nvSpPr>
-        <p:spPr/>
-        <p:txBody>
-          <a:bodyPr/>
-          <a:lstStyle/>
-          <a:p>
-            <a:r>
-              <a:rPr lang="en-US" dirty="0"/>
-              <a:t>Why expander? </a:t>
-            </a:r>
-          </a:p>
-        </p:txBody>
-      </p:sp>
-      <p:sp>
-        <p:nvSpPr>
-          <p:cNvPr id="3" name="Content Placeholder 2">
-            <a:extLst>
-              <a:ext uri="{FF2B5EF4-FFF2-40B4-BE49-F238E27FC236}">
-                <a16:creationId xmlns:a16="http://schemas.microsoft.com/office/drawing/2014/main" id="{C0F08695-086B-19C9-C348-46CF2C395247}"/>
-              </a:ext>
-            </a:extLst>
-          </p:cNvPr>
-          <p:cNvSpPr>
-            <a:spLocks noGrp="1"/>
-          </p:cNvSpPr>
-          <p:nvPr>
-            <p:ph idx="1"/>
-          </p:nvPr>
-        </p:nvSpPr>
-        <p:spPr/>
-        <p:txBody>
-          <a:bodyPr>
-            <a:normAutofit/>
-          </a:bodyPr>
-          <a:lstStyle/>
-          <a:p>
-            <a:r>
-              <a:rPr lang="en-US" sz="3600" dirty="0"/>
-              <a:t>eliminate the information by which the two representations differ, </a:t>
-            </a:r>
-          </a:p>
-          <a:p>
-            <a:r>
-              <a:rPr lang="en-US" sz="3600" dirty="0"/>
-              <a:t>expand the dimension in a non-linear fashion so that decorrelating the embedding variables will reduce the dependencies (not just the correlations) between the variables of the representation vector. </a:t>
-            </a:r>
-          </a:p>
-          <a:p>
-            <a:r>
-              <a:rPr lang="zh-CN" altLang="en-US" sz="3600" dirty="0"/>
-              <a:t>其实早从 </a:t>
-            </a:r>
-            <a:r>
-              <a:rPr lang="en-US" altLang="zh-CN" sz="3600" dirty="0" err="1"/>
-              <a:t>SimCLR</a:t>
-            </a:r>
-            <a:r>
-              <a:rPr lang="en-US" altLang="zh-CN" sz="3600" dirty="0"/>
-              <a:t> </a:t>
-            </a:r>
-            <a:r>
-              <a:rPr lang="zh-CN" altLang="en-US" sz="3600" dirty="0"/>
-              <a:t>就开始有了。</a:t>
-            </a:r>
-            <a:endParaRPr lang="en-US" sz="3600" dirty="0"/>
-          </a:p>
-        </p:txBody>
-      </p:sp>
-    </p:spTree>
-    <p:extLst>
-      <p:ext uri="{BB962C8B-B14F-4D97-AF65-F5344CB8AC3E}">
-        <p14:creationId xmlns:p14="http://schemas.microsoft.com/office/powerpoint/2010/main" val="752915841"/>
       </p:ext>
     </p:extLst>
   </p:cSld>
@@ -4039,6 +3995,1188 @@
           <p:cNvPr id="2" name="Title 1">
             <a:extLst>
               <a:ext uri="{FF2B5EF4-FFF2-40B4-BE49-F238E27FC236}">
+                <a16:creationId xmlns:a16="http://schemas.microsoft.com/office/drawing/2014/main" id="{2A9C4256-3E39-9117-E027-91BB7E999424}"/>
+              </a:ext>
+            </a:extLst>
+          </p:cNvPr>
+          <p:cNvSpPr>
+            <a:spLocks noGrp="1"/>
+          </p:cNvSpPr>
+          <p:nvPr>
+            <p:ph type="title"/>
+          </p:nvPr>
+        </p:nvSpPr>
+        <p:spPr/>
+        <p:txBody>
+          <a:bodyPr/>
+          <a:lstStyle/>
+          <a:p>
+            <a:r>
+              <a:rPr lang="en-US" dirty="0"/>
+              <a:t>Why expander? </a:t>
+            </a:r>
+          </a:p>
+        </p:txBody>
+      </p:sp>
+      <p:sp>
+        <p:nvSpPr>
+          <p:cNvPr id="3" name="Content Placeholder 2">
+            <a:extLst>
+              <a:ext uri="{FF2B5EF4-FFF2-40B4-BE49-F238E27FC236}">
+                <a16:creationId xmlns:a16="http://schemas.microsoft.com/office/drawing/2014/main" id="{C0F08695-086B-19C9-C348-46CF2C395247}"/>
+              </a:ext>
+            </a:extLst>
+          </p:cNvPr>
+          <p:cNvSpPr>
+            <a:spLocks noGrp="1"/>
+          </p:cNvSpPr>
+          <p:nvPr>
+            <p:ph idx="1"/>
+          </p:nvPr>
+        </p:nvSpPr>
+        <p:spPr/>
+        <p:txBody>
+          <a:bodyPr>
+            <a:normAutofit/>
+          </a:bodyPr>
+          <a:lstStyle/>
+          <a:p>
+            <a:r>
+              <a:rPr lang="en-US" sz="3600" dirty="0"/>
+              <a:t>eliminate the information by which the two representations differ, </a:t>
+            </a:r>
+          </a:p>
+          <a:p>
+            <a:r>
+              <a:rPr lang="en-US" sz="3600" dirty="0"/>
+              <a:t>expand the dimension in a non-linear fashion so that decorrelating the embedding variables will reduce the dependencies (not just the correlations) between the variables of the representation vector. </a:t>
+            </a:r>
+          </a:p>
+          <a:p>
+            <a:r>
+              <a:rPr lang="zh-CN" altLang="en-US" sz="3600" dirty="0"/>
+              <a:t>其实早从 </a:t>
+            </a:r>
+            <a:r>
+              <a:rPr lang="en-US" altLang="zh-CN" sz="3600" dirty="0" err="1"/>
+              <a:t>SimCLR</a:t>
+            </a:r>
+            <a:r>
+              <a:rPr lang="en-US" altLang="zh-CN" sz="3600" dirty="0"/>
+              <a:t> </a:t>
+            </a:r>
+            <a:r>
+              <a:rPr lang="zh-CN" altLang="en-US" sz="3600" dirty="0"/>
+              <a:t>就开始有了。</a:t>
+            </a:r>
+            <a:endParaRPr lang="en-US" sz="3600" dirty="0"/>
+          </a:p>
+        </p:txBody>
+      </p:sp>
+    </p:spTree>
+    <p:extLst>
+      <p:ext uri="{BB962C8B-B14F-4D97-AF65-F5344CB8AC3E}">
+        <p14:creationId xmlns:p14="http://schemas.microsoft.com/office/powerpoint/2010/main" val="752915841"/>
+      </p:ext>
+    </p:extLst>
+  </p:cSld>
+  <p:clrMapOvr>
+    <a:masterClrMapping/>
+  </p:clrMapOvr>
+</p:sld>
+</file>
+
+<file path=ppt/slides/slide14.xml><?xml version="1.0" encoding="utf-8"?>
+<p:sld xmlns:a="http://schemas.openxmlformats.org/drawingml/2006/main" xmlns:r="http://schemas.openxmlformats.org/officeDocument/2006/relationships" xmlns:p="http://schemas.openxmlformats.org/presentationml/2006/main">
+  <p:cSld>
+    <p:spTree>
+      <p:nvGrpSpPr>
+        <p:cNvPr id="1" name=""/>
+        <p:cNvGrpSpPr/>
+        <p:nvPr/>
+      </p:nvGrpSpPr>
+      <p:grpSpPr>
+        <a:xfrm>
+          <a:off x="0" y="0"/>
+          <a:ext cx="0" cy="0"/>
+          <a:chOff x="0" y="0"/>
+          <a:chExt cx="0" cy="0"/>
+        </a:xfrm>
+      </p:grpSpPr>
+      <p:sp>
+        <p:nvSpPr>
+          <p:cNvPr id="2" name="Title 1">
+            <a:extLst>
+              <a:ext uri="{FF2B5EF4-FFF2-40B4-BE49-F238E27FC236}">
+                <a16:creationId xmlns:a16="http://schemas.microsoft.com/office/drawing/2014/main" id="{741DC577-6316-FC38-8529-EBD5DF7A7EB2}"/>
+              </a:ext>
+            </a:extLst>
+          </p:cNvPr>
+          <p:cNvSpPr>
+            <a:spLocks noGrp="1"/>
+          </p:cNvSpPr>
+          <p:nvPr>
+            <p:ph type="title"/>
+          </p:nvPr>
+        </p:nvSpPr>
+        <p:spPr/>
+        <p:txBody>
+          <a:bodyPr/>
+          <a:lstStyle/>
+          <a:p>
+            <a:r>
+              <a:rPr lang="en-US" dirty="0"/>
+              <a:t>VICReg + JEPA</a:t>
+            </a:r>
+          </a:p>
+        </p:txBody>
+      </p:sp>
+      <p:sp>
+        <p:nvSpPr>
+          <p:cNvPr id="3" name="Content Placeholder 2">
+            <a:extLst>
+              <a:ext uri="{FF2B5EF4-FFF2-40B4-BE49-F238E27FC236}">
+                <a16:creationId xmlns:a16="http://schemas.microsoft.com/office/drawing/2014/main" id="{4D59FE2C-C792-B382-7B44-05C96E000EF6}"/>
+              </a:ext>
+            </a:extLst>
+          </p:cNvPr>
+          <p:cNvSpPr>
+            <a:spLocks noGrp="1"/>
+          </p:cNvSpPr>
+          <p:nvPr>
+            <p:ph idx="1"/>
+          </p:nvPr>
+        </p:nvSpPr>
+        <p:spPr>
+          <a:xfrm>
+            <a:off x="7875786" y="1226858"/>
+            <a:ext cx="4016009" cy="5353145"/>
+          </a:xfrm>
+        </p:spPr>
+        <p:txBody>
+          <a:bodyPr>
+            <a:normAutofit/>
+          </a:bodyPr>
+          <a:lstStyle/>
+          <a:p>
+            <a:r>
+              <a:rPr lang="en-US" sz="3200" dirty="0"/>
+              <a:t>Without VICReg: collapse. </a:t>
+            </a:r>
+          </a:p>
+        </p:txBody>
+      </p:sp>
+      <p:pic>
+        <p:nvPicPr>
+          <p:cNvPr id="5" name="Picture 4">
+            <a:extLst>
+              <a:ext uri="{FF2B5EF4-FFF2-40B4-BE49-F238E27FC236}">
+                <a16:creationId xmlns:a16="http://schemas.microsoft.com/office/drawing/2014/main" id="{2AB3B7C1-7411-B9D8-A874-5F0D7F27767A}"/>
+              </a:ext>
+            </a:extLst>
+          </p:cNvPr>
+          <p:cNvPicPr>
+            <a:picLocks noChangeAspect="1"/>
+          </p:cNvPicPr>
+          <p:nvPr/>
+        </p:nvPicPr>
+        <p:blipFill>
+          <a:blip r:embed="rId2" cstate="print">
+            <a:extLst>
+              <a:ext uri="{28A0092B-C50C-407E-A947-70E740481C1C}">
+                <a14:useLocalDpi xmlns:a14="http://schemas.microsoft.com/office/drawing/2010/main"/>
+              </a:ext>
+            </a:extLst>
+          </a:blip>
+          <a:stretch>
+            <a:fillRect/>
+          </a:stretch>
+        </p:blipFill>
+        <p:spPr>
+          <a:xfrm>
+            <a:off x="410376" y="1452012"/>
+            <a:ext cx="7355240" cy="4303194"/>
+          </a:xfrm>
+          <a:prstGeom prst="rect">
+            <a:avLst/>
+          </a:prstGeom>
+        </p:spPr>
+      </p:pic>
+      <p:sp>
+        <p:nvSpPr>
+          <p:cNvPr id="6" name="Rectangle 5">
+            <a:extLst>
+              <a:ext uri="{FF2B5EF4-FFF2-40B4-BE49-F238E27FC236}">
+                <a16:creationId xmlns:a16="http://schemas.microsoft.com/office/drawing/2014/main" id="{2FD358EA-F7E5-1735-C2FA-8E742F4D803F}"/>
+              </a:ext>
+            </a:extLst>
+          </p:cNvPr>
+          <p:cNvSpPr/>
+          <p:nvPr/>
+        </p:nvSpPr>
+        <p:spPr>
+          <a:xfrm>
+            <a:off x="2734010" y="2591566"/>
+            <a:ext cx="1801230" cy="1883940"/>
+          </a:xfrm>
+          <a:prstGeom prst="rect">
+            <a:avLst/>
+          </a:prstGeom>
+        </p:spPr>
+        <p:style>
+          <a:lnRef idx="2">
+            <a:schemeClr val="accent1">
+              <a:shade val="50000"/>
+            </a:schemeClr>
+          </a:lnRef>
+          <a:fillRef idx="1">
+            <a:schemeClr val="accent1"/>
+          </a:fillRef>
+          <a:effectRef idx="0">
+            <a:schemeClr val="accent1"/>
+          </a:effectRef>
+          <a:fontRef idx="minor">
+            <a:schemeClr val="lt1"/>
+          </a:fontRef>
+        </p:style>
+        <p:txBody>
+          <a:bodyPr rtlCol="0" anchor="ctr"/>
+          <a:lstStyle/>
+          <a:p>
+            <a:pPr algn="ctr"/>
+            <a:r>
+              <a:rPr lang="en-US" sz="7200" dirty="0"/>
+              <a:t>?</a:t>
+            </a:r>
+          </a:p>
+        </p:txBody>
+      </p:sp>
+      <p:sp>
+        <p:nvSpPr>
+          <p:cNvPr id="7" name="Rectangle 6">
+            <a:extLst>
+              <a:ext uri="{FF2B5EF4-FFF2-40B4-BE49-F238E27FC236}">
+                <a16:creationId xmlns:a16="http://schemas.microsoft.com/office/drawing/2014/main" id="{BD0A37E3-9F22-4742-9FF3-863BCA6E74AF}"/>
+              </a:ext>
+            </a:extLst>
+          </p:cNvPr>
+          <p:cNvSpPr/>
+          <p:nvPr/>
+        </p:nvSpPr>
+        <p:spPr>
+          <a:xfrm>
+            <a:off x="300204" y="2407767"/>
+            <a:ext cx="1566121" cy="1443588"/>
+          </a:xfrm>
+          <a:prstGeom prst="rect">
+            <a:avLst/>
+          </a:prstGeom>
+        </p:spPr>
+        <p:style>
+          <a:lnRef idx="2">
+            <a:schemeClr val="accent1">
+              <a:shade val="50000"/>
+            </a:schemeClr>
+          </a:lnRef>
+          <a:fillRef idx="1">
+            <a:schemeClr val="accent1"/>
+          </a:fillRef>
+          <a:effectRef idx="0">
+            <a:schemeClr val="accent1"/>
+          </a:effectRef>
+          <a:fontRef idx="minor">
+            <a:schemeClr val="lt1"/>
+          </a:fontRef>
+        </p:style>
+        <p:txBody>
+          <a:bodyPr rtlCol="0" anchor="ctr"/>
+          <a:lstStyle/>
+          <a:p>
+            <a:pPr algn="ctr"/>
+            <a:r>
+              <a:rPr lang="en-US" sz="7200" dirty="0"/>
+              <a:t>?</a:t>
+            </a:r>
+          </a:p>
+        </p:txBody>
+      </p:sp>
+      <p:sp>
+        <p:nvSpPr>
+          <p:cNvPr id="8" name="Rectangle 7">
+            <a:extLst>
+              <a:ext uri="{FF2B5EF4-FFF2-40B4-BE49-F238E27FC236}">
+                <a16:creationId xmlns:a16="http://schemas.microsoft.com/office/drawing/2014/main" id="{23E2C5B8-41AE-88C7-D1C6-236A9AFBC5A8}"/>
+              </a:ext>
+            </a:extLst>
+          </p:cNvPr>
+          <p:cNvSpPr/>
+          <p:nvPr/>
+        </p:nvSpPr>
+        <p:spPr>
+          <a:xfrm>
+            <a:off x="6309665" y="2591566"/>
+            <a:ext cx="1455951" cy="1497962"/>
+          </a:xfrm>
+          <a:prstGeom prst="rect">
+            <a:avLst/>
+          </a:prstGeom>
+        </p:spPr>
+        <p:style>
+          <a:lnRef idx="2">
+            <a:schemeClr val="accent1">
+              <a:shade val="50000"/>
+            </a:schemeClr>
+          </a:lnRef>
+          <a:fillRef idx="1">
+            <a:schemeClr val="accent1"/>
+          </a:fillRef>
+          <a:effectRef idx="0">
+            <a:schemeClr val="accent1"/>
+          </a:effectRef>
+          <a:fontRef idx="minor">
+            <a:schemeClr val="lt1"/>
+          </a:fontRef>
+        </p:style>
+        <p:txBody>
+          <a:bodyPr rtlCol="0" anchor="ctr"/>
+          <a:lstStyle/>
+          <a:p>
+            <a:pPr algn="ctr"/>
+            <a:r>
+              <a:rPr lang="en-US" sz="7200" dirty="0"/>
+              <a:t>?</a:t>
+            </a:r>
+          </a:p>
+        </p:txBody>
+      </p:sp>
+      <p:cxnSp>
+        <p:nvCxnSpPr>
+          <p:cNvPr id="10" name="Straight Arrow Connector 9">
+            <a:extLst>
+              <a:ext uri="{FF2B5EF4-FFF2-40B4-BE49-F238E27FC236}">
+                <a16:creationId xmlns:a16="http://schemas.microsoft.com/office/drawing/2014/main" id="{F5E97ACF-C9F6-710C-36F3-643FB0CEFD2B}"/>
+              </a:ext>
+            </a:extLst>
+          </p:cNvPr>
+          <p:cNvCxnSpPr/>
+          <p:nvPr/>
+        </p:nvCxnSpPr>
+        <p:spPr>
+          <a:xfrm>
+            <a:off x="670866" y="5936708"/>
+            <a:ext cx="6511080" cy="0"/>
+          </a:xfrm>
+          <a:prstGeom prst="straightConnector1">
+            <a:avLst/>
+          </a:prstGeom>
+          <a:ln w="57150">
+            <a:solidFill>
+              <a:schemeClr val="tx1"/>
+            </a:solidFill>
+            <a:tailEnd type="triangle"/>
+          </a:ln>
+        </p:spPr>
+        <p:style>
+          <a:lnRef idx="1">
+            <a:schemeClr val="accent1"/>
+          </a:lnRef>
+          <a:fillRef idx="0">
+            <a:schemeClr val="accent1"/>
+          </a:fillRef>
+          <a:effectRef idx="0">
+            <a:schemeClr val="accent1"/>
+          </a:effectRef>
+          <a:fontRef idx="minor">
+            <a:schemeClr val="tx1"/>
+          </a:fontRef>
+        </p:style>
+      </p:cxnSp>
+      <mc:AlternateContent xmlns:mc="http://schemas.openxmlformats.org/markup-compatibility/2006" xmlns:a14="http://schemas.microsoft.com/office/drawing/2010/main">
+        <mc:Choice Requires="a14">
+          <p:sp>
+            <p:nvSpPr>
+              <p:cNvPr id="11" name="TextBox 10">
+                <a:extLst>
+                  <a:ext uri="{FF2B5EF4-FFF2-40B4-BE49-F238E27FC236}">
+                    <a16:creationId xmlns:a16="http://schemas.microsoft.com/office/drawing/2014/main" id="{1644A912-B869-AE0A-B169-7ADEB5179EF0}"/>
+                  </a:ext>
+                </a:extLst>
+              </p:cNvPr>
+              <p:cNvSpPr txBox="1"/>
+              <p:nvPr/>
+            </p:nvSpPr>
+            <p:spPr>
+              <a:xfrm>
+                <a:off x="6547839" y="5936884"/>
+                <a:ext cx="707627" cy="769441"/>
+              </a:xfrm>
+              <a:prstGeom prst="rect">
+                <a:avLst/>
+              </a:prstGeom>
+              <a:noFill/>
+            </p:spPr>
+            <p:txBody>
+              <a:bodyPr wrap="square" rtlCol="0">
+                <a:spAutoFit/>
+              </a:bodyPr>
+              <a:lstStyle/>
+              <a:p>
+                <a:pPr/>
+                <a14:m>
+                  <m:oMathPara xmlns:m="http://schemas.openxmlformats.org/officeDocument/2006/math">
+                    <m:oMathParaPr>
+                      <m:jc m:val="centerGroup"/>
+                    </m:oMathParaPr>
+                    <m:oMath xmlns:m="http://schemas.openxmlformats.org/officeDocument/2006/math">
+                      <m:r>
+                        <a:rPr lang="en-US" sz="4400" b="0" i="1" smtClean="0">
+                          <a:latin typeface="Cambria Math" panose="02040503050406030204" pitchFamily="18" charset="0"/>
+                        </a:rPr>
+                        <m:t>𝑡</m:t>
+                      </m:r>
+                    </m:oMath>
+                  </m:oMathPara>
+                </a14:m>
+                <a:endParaRPr lang="en-US" sz="4400" dirty="0"/>
+              </a:p>
+            </p:txBody>
+          </p:sp>
+        </mc:Choice>
+        <mc:Fallback xmlns="">
+          <p:sp>
+            <p:nvSpPr>
+              <p:cNvPr id="11" name="TextBox 10">
+                <a:extLst>
+                  <a:ext uri="{FF2B5EF4-FFF2-40B4-BE49-F238E27FC236}">
+                    <a16:creationId xmlns:a16="http://schemas.microsoft.com/office/drawing/2014/main" id="{1644A912-B869-AE0A-B169-7ADEB5179EF0}"/>
+                  </a:ext>
+                </a:extLst>
+              </p:cNvPr>
+              <p:cNvSpPr txBox="1">
+                <a:spLocks noRot="1" noChangeAspect="1" noMove="1" noResize="1" noEditPoints="1" noAdjustHandles="1" noChangeArrowheads="1" noChangeShapeType="1" noTextEdit="1"/>
+              </p:cNvSpPr>
+              <p:nvPr/>
+            </p:nvSpPr>
+            <p:spPr>
+              <a:xfrm>
+                <a:off x="6547839" y="5936884"/>
+                <a:ext cx="707627" cy="769441"/>
+              </a:xfrm>
+              <a:prstGeom prst="rect">
+                <a:avLst/>
+              </a:prstGeom>
+              <a:blipFill>
+                <a:blip r:embed="rId3"/>
+                <a:stretch>
+                  <a:fillRect/>
+                </a:stretch>
+              </a:blipFill>
+            </p:spPr>
+            <p:txBody>
+              <a:bodyPr/>
+              <a:lstStyle/>
+              <a:p>
+                <a:r>
+                  <a:rPr lang="en-US">
+                    <a:noFill/>
+                  </a:rPr>
+                  <a:t> </a:t>
+                </a:r>
+              </a:p>
+            </p:txBody>
+          </p:sp>
+        </mc:Fallback>
+      </mc:AlternateContent>
+    </p:spTree>
+    <p:extLst>
+      <p:ext uri="{BB962C8B-B14F-4D97-AF65-F5344CB8AC3E}">
+        <p14:creationId xmlns:p14="http://schemas.microsoft.com/office/powerpoint/2010/main" val="2612962134"/>
+      </p:ext>
+    </p:extLst>
+  </p:cSld>
+  <p:clrMapOvr>
+    <a:masterClrMapping/>
+  </p:clrMapOvr>
+</p:sld>
+</file>
+
+<file path=ppt/slides/slide15.xml><?xml version="1.0" encoding="utf-8"?>
+<p:sld xmlns:a="http://schemas.openxmlformats.org/drawingml/2006/main" xmlns:r="http://schemas.openxmlformats.org/officeDocument/2006/relationships" xmlns:p="http://schemas.openxmlformats.org/presentationml/2006/main">
+  <p:cSld>
+    <p:spTree>
+      <p:nvGrpSpPr>
+        <p:cNvPr id="1" name=""/>
+        <p:cNvGrpSpPr/>
+        <p:nvPr/>
+      </p:nvGrpSpPr>
+      <p:grpSpPr>
+        <a:xfrm>
+          <a:off x="0" y="0"/>
+          <a:ext cx="0" cy="0"/>
+          <a:chOff x="0" y="0"/>
+          <a:chExt cx="0" cy="0"/>
+        </a:xfrm>
+      </p:grpSpPr>
+      <p:sp>
+        <p:nvSpPr>
+          <p:cNvPr id="2" name="Title 1">
+            <a:extLst>
+              <a:ext uri="{FF2B5EF4-FFF2-40B4-BE49-F238E27FC236}">
+                <a16:creationId xmlns:a16="http://schemas.microsoft.com/office/drawing/2014/main" id="{741DC577-6316-FC38-8529-EBD5DF7A7EB2}"/>
+              </a:ext>
+            </a:extLst>
+          </p:cNvPr>
+          <p:cNvSpPr>
+            <a:spLocks noGrp="1"/>
+          </p:cNvSpPr>
+          <p:nvPr>
+            <p:ph type="title"/>
+          </p:nvPr>
+        </p:nvSpPr>
+        <p:spPr/>
+        <p:txBody>
+          <a:bodyPr/>
+          <a:lstStyle/>
+          <a:p>
+            <a:r>
+              <a:rPr lang="en-US" dirty="0"/>
+              <a:t>VICReg + JEPA</a:t>
+            </a:r>
+          </a:p>
+        </p:txBody>
+      </p:sp>
+      <p:sp>
+        <p:nvSpPr>
+          <p:cNvPr id="3" name="Content Placeholder 2">
+            <a:extLst>
+              <a:ext uri="{FF2B5EF4-FFF2-40B4-BE49-F238E27FC236}">
+                <a16:creationId xmlns:a16="http://schemas.microsoft.com/office/drawing/2014/main" id="{4D59FE2C-C792-B382-7B44-05C96E000EF6}"/>
+              </a:ext>
+            </a:extLst>
+          </p:cNvPr>
+          <p:cNvSpPr>
+            <a:spLocks noGrp="1"/>
+          </p:cNvSpPr>
+          <p:nvPr>
+            <p:ph idx="1"/>
+          </p:nvPr>
+        </p:nvSpPr>
+        <p:spPr>
+          <a:xfrm>
+            <a:off x="7875786" y="1226858"/>
+            <a:ext cx="4016009" cy="5353145"/>
+          </a:xfrm>
+        </p:spPr>
+        <p:txBody>
+          <a:bodyPr>
+            <a:normAutofit/>
+          </a:bodyPr>
+          <a:lstStyle/>
+          <a:p>
+            <a:r>
+              <a:rPr lang="en-US" sz="3200" dirty="0"/>
+              <a:t>Without VICReg: collapse. </a:t>
+            </a:r>
+          </a:p>
+          <a:p>
+            <a:r>
+              <a:rPr lang="en-US" sz="3200" dirty="0"/>
+              <a:t>VICReg: maximize info content. </a:t>
+            </a:r>
+          </a:p>
+          <a:p>
+            <a:r>
+              <a:rPr lang="en-US" sz="3200" dirty="0"/>
+              <a:t>Overall effect: encode whatever’s predictable. </a:t>
+            </a:r>
+          </a:p>
+          <a:p>
+            <a:pPr lvl="1"/>
+            <a:r>
+              <a:rPr lang="zh-CN" altLang="en-US" sz="2800" dirty="0"/>
+              <a:t>抓住规律。</a:t>
+            </a:r>
+            <a:endParaRPr lang="en-US" altLang="zh-CN" sz="2800" dirty="0"/>
+          </a:p>
+          <a:p>
+            <a:pPr lvl="1"/>
+            <a:r>
+              <a:rPr lang="en-US" sz="2800" dirty="0"/>
+              <a:t>Perception </a:t>
+            </a:r>
+            <a:r>
+              <a:rPr lang="zh-CN" altLang="en-US" sz="2800" dirty="0"/>
+              <a:t>会无视 </a:t>
+            </a:r>
+            <a:r>
+              <a:rPr lang="en-US" altLang="zh-CN" sz="2800" dirty="0"/>
+              <a:t>the unpredictable. </a:t>
+            </a:r>
+            <a:endParaRPr lang="en-US" sz="2800" dirty="0"/>
+          </a:p>
+        </p:txBody>
+      </p:sp>
+      <p:pic>
+        <p:nvPicPr>
+          <p:cNvPr id="5" name="Picture 4">
+            <a:extLst>
+              <a:ext uri="{FF2B5EF4-FFF2-40B4-BE49-F238E27FC236}">
+                <a16:creationId xmlns:a16="http://schemas.microsoft.com/office/drawing/2014/main" id="{2AB3B7C1-7411-B9D8-A874-5F0D7F27767A}"/>
+              </a:ext>
+            </a:extLst>
+          </p:cNvPr>
+          <p:cNvPicPr>
+            <a:picLocks noChangeAspect="1"/>
+          </p:cNvPicPr>
+          <p:nvPr/>
+        </p:nvPicPr>
+        <p:blipFill>
+          <a:blip r:embed="rId2" cstate="print">
+            <a:extLst>
+              <a:ext uri="{28A0092B-C50C-407E-A947-70E740481C1C}">
+                <a14:useLocalDpi xmlns:a14="http://schemas.microsoft.com/office/drawing/2010/main"/>
+              </a:ext>
+            </a:extLst>
+          </a:blip>
+          <a:stretch>
+            <a:fillRect/>
+          </a:stretch>
+        </p:blipFill>
+        <p:spPr>
+          <a:xfrm>
+            <a:off x="410376" y="1452012"/>
+            <a:ext cx="7355240" cy="4303194"/>
+          </a:xfrm>
+          <a:prstGeom prst="rect">
+            <a:avLst/>
+          </a:prstGeom>
+        </p:spPr>
+      </p:pic>
+      <p:sp>
+        <p:nvSpPr>
+          <p:cNvPr id="6" name="Rectangle 5">
+            <a:extLst>
+              <a:ext uri="{FF2B5EF4-FFF2-40B4-BE49-F238E27FC236}">
+                <a16:creationId xmlns:a16="http://schemas.microsoft.com/office/drawing/2014/main" id="{2FD358EA-F7E5-1735-C2FA-8E742F4D803F}"/>
+              </a:ext>
+            </a:extLst>
+          </p:cNvPr>
+          <p:cNvSpPr/>
+          <p:nvPr/>
+        </p:nvSpPr>
+        <p:spPr>
+          <a:xfrm>
+            <a:off x="2734010" y="2591566"/>
+            <a:ext cx="1801230" cy="1883940"/>
+          </a:xfrm>
+          <a:prstGeom prst="rect">
+            <a:avLst/>
+          </a:prstGeom>
+        </p:spPr>
+        <p:style>
+          <a:lnRef idx="2">
+            <a:schemeClr val="accent1">
+              <a:shade val="50000"/>
+            </a:schemeClr>
+          </a:lnRef>
+          <a:fillRef idx="1">
+            <a:schemeClr val="accent1"/>
+          </a:fillRef>
+          <a:effectRef idx="0">
+            <a:schemeClr val="accent1"/>
+          </a:effectRef>
+          <a:fontRef idx="minor">
+            <a:schemeClr val="lt1"/>
+          </a:fontRef>
+        </p:style>
+        <p:txBody>
+          <a:bodyPr rtlCol="0" anchor="ctr"/>
+          <a:lstStyle/>
+          <a:p>
+            <a:pPr algn="ctr"/>
+            <a:r>
+              <a:rPr lang="en-US" sz="7200" dirty="0"/>
+              <a:t>?</a:t>
+            </a:r>
+          </a:p>
+        </p:txBody>
+      </p:sp>
+      <p:cxnSp>
+        <p:nvCxnSpPr>
+          <p:cNvPr id="4" name="Straight Arrow Connector 3">
+            <a:extLst>
+              <a:ext uri="{FF2B5EF4-FFF2-40B4-BE49-F238E27FC236}">
+                <a16:creationId xmlns:a16="http://schemas.microsoft.com/office/drawing/2014/main" id="{42074400-736F-B9EE-BD5D-DCE3490E7299}"/>
+              </a:ext>
+            </a:extLst>
+          </p:cNvPr>
+          <p:cNvCxnSpPr/>
+          <p:nvPr/>
+        </p:nvCxnSpPr>
+        <p:spPr>
+          <a:xfrm>
+            <a:off x="670866" y="5936708"/>
+            <a:ext cx="6511080" cy="0"/>
+          </a:xfrm>
+          <a:prstGeom prst="straightConnector1">
+            <a:avLst/>
+          </a:prstGeom>
+          <a:ln w="57150">
+            <a:solidFill>
+              <a:schemeClr val="tx1"/>
+            </a:solidFill>
+            <a:tailEnd type="triangle"/>
+          </a:ln>
+        </p:spPr>
+        <p:style>
+          <a:lnRef idx="1">
+            <a:schemeClr val="accent1"/>
+          </a:lnRef>
+          <a:fillRef idx="0">
+            <a:schemeClr val="accent1"/>
+          </a:fillRef>
+          <a:effectRef idx="0">
+            <a:schemeClr val="accent1"/>
+          </a:effectRef>
+          <a:fontRef idx="minor">
+            <a:schemeClr val="tx1"/>
+          </a:fontRef>
+        </p:style>
+      </p:cxnSp>
+      <mc:AlternateContent xmlns:mc="http://schemas.openxmlformats.org/markup-compatibility/2006" xmlns:a14="http://schemas.microsoft.com/office/drawing/2010/main">
+        <mc:Choice Requires="a14">
+          <p:sp>
+            <p:nvSpPr>
+              <p:cNvPr id="7" name="TextBox 6">
+                <a:extLst>
+                  <a:ext uri="{FF2B5EF4-FFF2-40B4-BE49-F238E27FC236}">
+                    <a16:creationId xmlns:a16="http://schemas.microsoft.com/office/drawing/2014/main" id="{3C914E3E-4DD3-BE5A-DC70-45BE0979518B}"/>
+                  </a:ext>
+                </a:extLst>
+              </p:cNvPr>
+              <p:cNvSpPr txBox="1"/>
+              <p:nvPr/>
+            </p:nvSpPr>
+            <p:spPr>
+              <a:xfrm>
+                <a:off x="6547839" y="5936884"/>
+                <a:ext cx="707627" cy="769441"/>
+              </a:xfrm>
+              <a:prstGeom prst="rect">
+                <a:avLst/>
+              </a:prstGeom>
+              <a:noFill/>
+            </p:spPr>
+            <p:txBody>
+              <a:bodyPr wrap="square" rtlCol="0">
+                <a:spAutoFit/>
+              </a:bodyPr>
+              <a:lstStyle/>
+              <a:p>
+                <a:pPr/>
+                <a14:m>
+                  <m:oMathPara xmlns:m="http://schemas.openxmlformats.org/officeDocument/2006/math">
+                    <m:oMathParaPr>
+                      <m:jc m:val="centerGroup"/>
+                    </m:oMathParaPr>
+                    <m:oMath xmlns:m="http://schemas.openxmlformats.org/officeDocument/2006/math">
+                      <m:r>
+                        <a:rPr lang="en-US" sz="4400" b="0" i="1" smtClean="0">
+                          <a:latin typeface="Cambria Math" panose="02040503050406030204" pitchFamily="18" charset="0"/>
+                        </a:rPr>
+                        <m:t>𝑡</m:t>
+                      </m:r>
+                    </m:oMath>
+                  </m:oMathPara>
+                </a14:m>
+                <a:endParaRPr lang="en-US" sz="4400" dirty="0"/>
+              </a:p>
+            </p:txBody>
+          </p:sp>
+        </mc:Choice>
+        <mc:Fallback xmlns="">
+          <p:sp>
+            <p:nvSpPr>
+              <p:cNvPr id="7" name="TextBox 6">
+                <a:extLst>
+                  <a:ext uri="{FF2B5EF4-FFF2-40B4-BE49-F238E27FC236}">
+                    <a16:creationId xmlns:a16="http://schemas.microsoft.com/office/drawing/2014/main" id="{3C914E3E-4DD3-BE5A-DC70-45BE0979518B}"/>
+                  </a:ext>
+                </a:extLst>
+              </p:cNvPr>
+              <p:cNvSpPr txBox="1">
+                <a:spLocks noRot="1" noChangeAspect="1" noMove="1" noResize="1" noEditPoints="1" noAdjustHandles="1" noChangeArrowheads="1" noChangeShapeType="1" noTextEdit="1"/>
+              </p:cNvSpPr>
+              <p:nvPr/>
+            </p:nvSpPr>
+            <p:spPr>
+              <a:xfrm>
+                <a:off x="6547839" y="5936884"/>
+                <a:ext cx="707627" cy="769441"/>
+              </a:xfrm>
+              <a:prstGeom prst="rect">
+                <a:avLst/>
+              </a:prstGeom>
+              <a:blipFill>
+                <a:blip r:embed="rId3"/>
+                <a:stretch>
+                  <a:fillRect/>
+                </a:stretch>
+              </a:blipFill>
+            </p:spPr>
+            <p:txBody>
+              <a:bodyPr/>
+              <a:lstStyle/>
+              <a:p>
+                <a:r>
+                  <a:rPr lang="en-US">
+                    <a:noFill/>
+                  </a:rPr>
+                  <a:t> </a:t>
+                </a:r>
+              </a:p>
+            </p:txBody>
+          </p:sp>
+        </mc:Fallback>
+      </mc:AlternateContent>
+    </p:spTree>
+    <p:extLst>
+      <p:ext uri="{BB962C8B-B14F-4D97-AF65-F5344CB8AC3E}">
+        <p14:creationId xmlns:p14="http://schemas.microsoft.com/office/powerpoint/2010/main" val="499821931"/>
+      </p:ext>
+    </p:extLst>
+  </p:cSld>
+  <p:clrMapOvr>
+    <a:masterClrMapping/>
+  </p:clrMapOvr>
+</p:sld>
+</file>
+
+<file path=ppt/slides/slide16.xml><?xml version="1.0" encoding="utf-8"?>
+<p:sld xmlns:a="http://schemas.openxmlformats.org/drawingml/2006/main" xmlns:r="http://schemas.openxmlformats.org/officeDocument/2006/relationships" xmlns:p="http://schemas.openxmlformats.org/presentationml/2006/main">
+  <p:cSld>
+    <p:spTree>
+      <p:nvGrpSpPr>
+        <p:cNvPr id="1" name=""/>
+        <p:cNvGrpSpPr/>
+        <p:nvPr/>
+      </p:nvGrpSpPr>
+      <p:grpSpPr>
+        <a:xfrm>
+          <a:off x="0" y="0"/>
+          <a:ext cx="0" cy="0"/>
+          <a:chOff x="0" y="0"/>
+          <a:chExt cx="0" cy="0"/>
+        </a:xfrm>
+      </p:grpSpPr>
+      <p:sp>
+        <p:nvSpPr>
+          <p:cNvPr id="2" name="Title 1">
+            <a:extLst>
+              <a:ext uri="{FF2B5EF4-FFF2-40B4-BE49-F238E27FC236}">
+                <a16:creationId xmlns:a16="http://schemas.microsoft.com/office/drawing/2014/main" id="{741DC577-6316-FC38-8529-EBD5DF7A7EB2}"/>
+              </a:ext>
+            </a:extLst>
+          </p:cNvPr>
+          <p:cNvSpPr>
+            <a:spLocks noGrp="1"/>
+          </p:cNvSpPr>
+          <p:nvPr>
+            <p:ph type="title"/>
+          </p:nvPr>
+        </p:nvSpPr>
+        <p:spPr/>
+        <p:txBody>
+          <a:bodyPr/>
+          <a:lstStyle/>
+          <a:p>
+            <a:r>
+              <a:rPr lang="en-US" dirty="0"/>
+              <a:t>VICReg + JEPA</a:t>
+            </a:r>
+          </a:p>
+        </p:txBody>
+      </p:sp>
+      <p:sp>
+        <p:nvSpPr>
+          <p:cNvPr id="3" name="Content Placeholder 2">
+            <a:extLst>
+              <a:ext uri="{FF2B5EF4-FFF2-40B4-BE49-F238E27FC236}">
+                <a16:creationId xmlns:a16="http://schemas.microsoft.com/office/drawing/2014/main" id="{4D59FE2C-C792-B382-7B44-05C96E000EF6}"/>
+              </a:ext>
+            </a:extLst>
+          </p:cNvPr>
+          <p:cNvSpPr>
+            <a:spLocks noGrp="1"/>
+          </p:cNvSpPr>
+          <p:nvPr>
+            <p:ph idx="1"/>
+          </p:nvPr>
+        </p:nvSpPr>
+        <p:spPr>
+          <a:xfrm>
+            <a:off x="7875786" y="1226858"/>
+            <a:ext cx="4016009" cy="5353145"/>
+          </a:xfrm>
+        </p:spPr>
+        <p:txBody>
+          <a:bodyPr>
+            <a:normAutofit/>
+          </a:bodyPr>
+          <a:lstStyle/>
+          <a:p>
+            <a:r>
+              <a:rPr lang="en-US" sz="3200" dirty="0"/>
+              <a:t>Without VICReg: collapse. </a:t>
+            </a:r>
+          </a:p>
+          <a:p>
+            <a:r>
+              <a:rPr lang="en-US" sz="3200" dirty="0"/>
+              <a:t>VICReg: maximize info content. </a:t>
+            </a:r>
+          </a:p>
+          <a:p>
+            <a:r>
+              <a:rPr lang="en-US" sz="3200" dirty="0"/>
+              <a:t>Overall effect: encode whatever’s predictable. </a:t>
+            </a:r>
+          </a:p>
+          <a:p>
+            <a:pPr lvl="1"/>
+            <a:r>
+              <a:rPr lang="zh-CN" altLang="en-US" sz="2800" dirty="0"/>
+              <a:t>抓住规律。</a:t>
+            </a:r>
+            <a:endParaRPr lang="en-US" altLang="zh-CN" sz="2800" dirty="0"/>
+          </a:p>
+          <a:p>
+            <a:pPr lvl="1"/>
+            <a:r>
+              <a:rPr lang="en-US" sz="2800" dirty="0"/>
+              <a:t>Perception </a:t>
+            </a:r>
+            <a:r>
+              <a:rPr lang="zh-CN" altLang="en-US" sz="2800" dirty="0"/>
+              <a:t>会无视 </a:t>
+            </a:r>
+            <a:r>
+              <a:rPr lang="en-US" altLang="zh-CN" sz="2800" dirty="0"/>
+              <a:t>the unpredictable. </a:t>
+            </a:r>
+            <a:endParaRPr lang="en-US" sz="2800" dirty="0"/>
+          </a:p>
+        </p:txBody>
+      </p:sp>
+      <p:pic>
+        <p:nvPicPr>
+          <p:cNvPr id="5" name="Picture 4">
+            <a:extLst>
+              <a:ext uri="{FF2B5EF4-FFF2-40B4-BE49-F238E27FC236}">
+                <a16:creationId xmlns:a16="http://schemas.microsoft.com/office/drawing/2014/main" id="{2AB3B7C1-7411-B9D8-A874-5F0D7F27767A}"/>
+              </a:ext>
+            </a:extLst>
+          </p:cNvPr>
+          <p:cNvPicPr>
+            <a:picLocks noChangeAspect="1"/>
+          </p:cNvPicPr>
+          <p:nvPr/>
+        </p:nvPicPr>
+        <p:blipFill>
+          <a:blip r:embed="rId2" cstate="print">
+            <a:extLst>
+              <a:ext uri="{28A0092B-C50C-407E-A947-70E740481C1C}">
+                <a14:useLocalDpi xmlns:a14="http://schemas.microsoft.com/office/drawing/2010/main"/>
+              </a:ext>
+            </a:extLst>
+          </a:blip>
+          <a:stretch>
+            <a:fillRect/>
+          </a:stretch>
+        </p:blipFill>
+        <p:spPr>
+          <a:xfrm>
+            <a:off x="410376" y="1452012"/>
+            <a:ext cx="7355240" cy="4303194"/>
+          </a:xfrm>
+          <a:prstGeom prst="rect">
+            <a:avLst/>
+          </a:prstGeom>
+        </p:spPr>
+      </p:pic>
+      <p:cxnSp>
+        <p:nvCxnSpPr>
+          <p:cNvPr id="4" name="Straight Arrow Connector 3">
+            <a:extLst>
+              <a:ext uri="{FF2B5EF4-FFF2-40B4-BE49-F238E27FC236}">
+                <a16:creationId xmlns:a16="http://schemas.microsoft.com/office/drawing/2014/main" id="{3F7A6E97-72D2-4EC2-90EE-6FD5B9AB3340}"/>
+              </a:ext>
+            </a:extLst>
+          </p:cNvPr>
+          <p:cNvCxnSpPr/>
+          <p:nvPr/>
+        </p:nvCxnSpPr>
+        <p:spPr>
+          <a:xfrm>
+            <a:off x="670866" y="5936708"/>
+            <a:ext cx="6511080" cy="0"/>
+          </a:xfrm>
+          <a:prstGeom prst="straightConnector1">
+            <a:avLst/>
+          </a:prstGeom>
+          <a:ln w="57150">
+            <a:solidFill>
+              <a:schemeClr val="tx1"/>
+            </a:solidFill>
+            <a:tailEnd type="triangle"/>
+          </a:ln>
+        </p:spPr>
+        <p:style>
+          <a:lnRef idx="1">
+            <a:schemeClr val="accent1"/>
+          </a:lnRef>
+          <a:fillRef idx="0">
+            <a:schemeClr val="accent1"/>
+          </a:fillRef>
+          <a:effectRef idx="0">
+            <a:schemeClr val="accent1"/>
+          </a:effectRef>
+          <a:fontRef idx="minor">
+            <a:schemeClr val="tx1"/>
+          </a:fontRef>
+        </p:style>
+      </p:cxnSp>
+      <mc:AlternateContent xmlns:mc="http://schemas.openxmlformats.org/markup-compatibility/2006" xmlns:a14="http://schemas.microsoft.com/office/drawing/2010/main">
+        <mc:Choice Requires="a14">
+          <p:sp>
+            <p:nvSpPr>
+              <p:cNvPr id="6" name="TextBox 5">
+                <a:extLst>
+                  <a:ext uri="{FF2B5EF4-FFF2-40B4-BE49-F238E27FC236}">
+                    <a16:creationId xmlns:a16="http://schemas.microsoft.com/office/drawing/2014/main" id="{082EFB1C-7F23-1198-1082-D859BBABA000}"/>
+                  </a:ext>
+                </a:extLst>
+              </p:cNvPr>
+              <p:cNvSpPr txBox="1"/>
+              <p:nvPr/>
+            </p:nvSpPr>
+            <p:spPr>
+              <a:xfrm>
+                <a:off x="6547839" y="5936884"/>
+                <a:ext cx="707627" cy="769441"/>
+              </a:xfrm>
+              <a:prstGeom prst="rect">
+                <a:avLst/>
+              </a:prstGeom>
+              <a:noFill/>
+            </p:spPr>
+            <p:txBody>
+              <a:bodyPr wrap="square" rtlCol="0">
+                <a:spAutoFit/>
+              </a:bodyPr>
+              <a:lstStyle/>
+              <a:p>
+                <a:pPr/>
+                <a14:m>
+                  <m:oMathPara xmlns:m="http://schemas.openxmlformats.org/officeDocument/2006/math">
+                    <m:oMathParaPr>
+                      <m:jc m:val="centerGroup"/>
+                    </m:oMathParaPr>
+                    <m:oMath xmlns:m="http://schemas.openxmlformats.org/officeDocument/2006/math">
+                      <m:r>
+                        <a:rPr lang="en-US" sz="4400" b="0" i="1" smtClean="0">
+                          <a:latin typeface="Cambria Math" panose="02040503050406030204" pitchFamily="18" charset="0"/>
+                        </a:rPr>
+                        <m:t>𝑡</m:t>
+                      </m:r>
+                    </m:oMath>
+                  </m:oMathPara>
+                </a14:m>
+                <a:endParaRPr lang="en-US" sz="4400" dirty="0"/>
+              </a:p>
+            </p:txBody>
+          </p:sp>
+        </mc:Choice>
+        <mc:Fallback xmlns="">
+          <p:sp>
+            <p:nvSpPr>
+              <p:cNvPr id="6" name="TextBox 5">
+                <a:extLst>
+                  <a:ext uri="{FF2B5EF4-FFF2-40B4-BE49-F238E27FC236}">
+                    <a16:creationId xmlns:a16="http://schemas.microsoft.com/office/drawing/2014/main" id="{082EFB1C-7F23-1198-1082-D859BBABA000}"/>
+                  </a:ext>
+                </a:extLst>
+              </p:cNvPr>
+              <p:cNvSpPr txBox="1">
+                <a:spLocks noRot="1" noChangeAspect="1" noMove="1" noResize="1" noEditPoints="1" noAdjustHandles="1" noChangeArrowheads="1" noChangeShapeType="1" noTextEdit="1"/>
+              </p:cNvSpPr>
+              <p:nvPr/>
+            </p:nvSpPr>
+            <p:spPr>
+              <a:xfrm>
+                <a:off x="6547839" y="5936884"/>
+                <a:ext cx="707627" cy="769441"/>
+              </a:xfrm>
+              <a:prstGeom prst="rect">
+                <a:avLst/>
+              </a:prstGeom>
+              <a:blipFill>
+                <a:blip r:embed="rId3"/>
+                <a:stretch>
+                  <a:fillRect/>
+                </a:stretch>
+              </a:blipFill>
+            </p:spPr>
+            <p:txBody>
+              <a:bodyPr/>
+              <a:lstStyle/>
+              <a:p>
+                <a:r>
+                  <a:rPr lang="en-US">
+                    <a:noFill/>
+                  </a:rPr>
+                  <a:t> </a:t>
+                </a:r>
+              </a:p>
+            </p:txBody>
+          </p:sp>
+        </mc:Fallback>
+      </mc:AlternateContent>
+    </p:spTree>
+    <p:extLst>
+      <p:ext uri="{BB962C8B-B14F-4D97-AF65-F5344CB8AC3E}">
+        <p14:creationId xmlns:p14="http://schemas.microsoft.com/office/powerpoint/2010/main" val="2965174755"/>
+      </p:ext>
+    </p:extLst>
+  </p:cSld>
+  <p:clrMapOvr>
+    <a:masterClrMapping/>
+  </p:clrMapOvr>
+</p:sld>
+</file>
+
+<file path=ppt/slides/slide17.xml><?xml version="1.0" encoding="utf-8"?>
+<p:sld xmlns:a="http://schemas.openxmlformats.org/drawingml/2006/main" xmlns:r="http://schemas.openxmlformats.org/officeDocument/2006/relationships" xmlns:p="http://schemas.openxmlformats.org/presentationml/2006/main">
+  <p:cSld>
+    <p:spTree>
+      <p:nvGrpSpPr>
+        <p:cNvPr id="1" name=""/>
+        <p:cNvGrpSpPr/>
+        <p:nvPr/>
+      </p:nvGrpSpPr>
+      <p:grpSpPr>
+        <a:xfrm>
+          <a:off x="0" y="0"/>
+          <a:ext cx="0" cy="0"/>
+          <a:chOff x="0" y="0"/>
+          <a:chExt cx="0" cy="0"/>
+        </a:xfrm>
+      </p:grpSpPr>
+      <p:sp>
+        <p:nvSpPr>
+          <p:cNvPr id="2" name="Title 1">
+            <a:extLst>
+              <a:ext uri="{FF2B5EF4-FFF2-40B4-BE49-F238E27FC236}">
                 <a16:creationId xmlns:a16="http://schemas.microsoft.com/office/drawing/2014/main" id="{81F24CB6-EE11-C5D9-4094-CD76D7443B53}"/>
               </a:ext>
             </a:extLst>
@@ -4156,7 +5294,7 @@
 </p:sld>
 </file>
 
-<file path=ppt/slides/slide14.xml><?xml version="1.0" encoding="utf-8"?>
+<file path=ppt/slides/slide18.xml><?xml version="1.0" encoding="utf-8"?>
 <p:sld xmlns:a="http://schemas.openxmlformats.org/drawingml/2006/main" xmlns:r="http://schemas.openxmlformats.org/officeDocument/2006/relationships" xmlns:p="http://schemas.openxmlformats.org/presentationml/2006/main">
   <p:cSld>
     <p:spTree>
@@ -4251,7 +5389,7 @@
 </p:sld>
 </file>
 
-<file path=ppt/slides/slide15.xml><?xml version="1.0" encoding="utf-8"?>
+<file path=ppt/slides/slide19.xml><?xml version="1.0" encoding="utf-8"?>
 <p:sld xmlns:a="http://schemas.openxmlformats.org/drawingml/2006/main" xmlns:r="http://schemas.openxmlformats.org/officeDocument/2006/relationships" xmlns:p="http://schemas.openxmlformats.org/presentationml/2006/main">
   <p:cSld>
     <p:spTree>
@@ -4418,7 +5556,112 @@
 </p:sld>
 </file>
 
-<file path=ppt/slides/slide16.xml><?xml version="1.0" encoding="utf-8"?>
+<file path=ppt/slides/slide2.xml><?xml version="1.0" encoding="utf-8"?>
+<p:sld xmlns:a="http://schemas.openxmlformats.org/drawingml/2006/main" xmlns:r="http://schemas.openxmlformats.org/officeDocument/2006/relationships" xmlns:p="http://schemas.openxmlformats.org/presentationml/2006/main">
+  <p:cSld>
+    <p:spTree>
+      <p:nvGrpSpPr>
+        <p:cNvPr id="1" name=""/>
+        <p:cNvGrpSpPr/>
+        <p:nvPr/>
+      </p:nvGrpSpPr>
+      <p:grpSpPr>
+        <a:xfrm>
+          <a:off x="0" y="0"/>
+          <a:ext cx="0" cy="0"/>
+          <a:chOff x="0" y="0"/>
+          <a:chExt cx="0" cy="0"/>
+        </a:xfrm>
+      </p:grpSpPr>
+      <p:sp>
+        <p:nvSpPr>
+          <p:cNvPr id="2" name="Title 1">
+            <a:extLst>
+              <a:ext uri="{FF2B5EF4-FFF2-40B4-BE49-F238E27FC236}">
+                <a16:creationId xmlns:a16="http://schemas.microsoft.com/office/drawing/2014/main" id="{13E2BF34-7ADB-D7FD-DB56-D76FA86819B4}"/>
+              </a:ext>
+            </a:extLst>
+          </p:cNvPr>
+          <p:cNvSpPr>
+            <a:spLocks noGrp="1"/>
+          </p:cNvSpPr>
+          <p:nvPr>
+            <p:ph type="title"/>
+          </p:nvPr>
+        </p:nvSpPr>
+        <p:spPr/>
+        <p:txBody>
+          <a:bodyPr/>
+          <a:lstStyle/>
+          <a:p>
+            <a:r>
+              <a:rPr lang="en-US" dirty="0"/>
+              <a:t>Roadmap</a:t>
+            </a:r>
+          </a:p>
+        </p:txBody>
+      </p:sp>
+      <p:sp>
+        <p:nvSpPr>
+          <p:cNvPr id="3" name="Content Placeholder 2">
+            <a:extLst>
+              <a:ext uri="{FF2B5EF4-FFF2-40B4-BE49-F238E27FC236}">
+                <a16:creationId xmlns:a16="http://schemas.microsoft.com/office/drawing/2014/main" id="{15877A52-1A5A-2D01-2F6A-945004C3BAEE}"/>
+              </a:ext>
+            </a:extLst>
+          </p:cNvPr>
+          <p:cNvSpPr>
+            <a:spLocks noGrp="1"/>
+          </p:cNvSpPr>
+          <p:nvPr>
+            <p:ph idx="1"/>
+          </p:nvPr>
+        </p:nvSpPr>
+        <p:spPr/>
+        <p:txBody>
+          <a:bodyPr>
+            <a:normAutofit/>
+          </a:bodyPr>
+          <a:lstStyle/>
+          <a:p>
+            <a:r>
+              <a:rPr lang="en-US" sz="3600" dirty="0"/>
+              <a:t>Intro: Yann’s </a:t>
+            </a:r>
+            <a:r>
+              <a:rPr lang="zh-CN" altLang="en-US" sz="3600" dirty="0"/>
+              <a:t>指点江山</a:t>
+            </a:r>
+            <a:endParaRPr lang="en-US" sz="3600" dirty="0"/>
+          </a:p>
+          <a:p>
+            <a:r>
+              <a:rPr lang="en-US" sz="3600" dirty="0"/>
+              <a:t>VICReg</a:t>
+            </a:r>
+          </a:p>
+          <a:p>
+            <a:r>
+              <a:rPr lang="en-US" sz="3600" dirty="0"/>
+              <a:t>Related works</a:t>
+            </a:r>
+          </a:p>
+        </p:txBody>
+      </p:sp>
+    </p:spTree>
+    <p:extLst>
+      <p:ext uri="{BB962C8B-B14F-4D97-AF65-F5344CB8AC3E}">
+        <p14:creationId xmlns:p14="http://schemas.microsoft.com/office/powerpoint/2010/main" val="3854740279"/>
+      </p:ext>
+    </p:extLst>
+  </p:cSld>
+  <p:clrMapOvr>
+    <a:masterClrMapping/>
+  </p:clrMapOvr>
+</p:sld>
+</file>
+
+<file path=ppt/slides/slide20.xml><?xml version="1.0" encoding="utf-8"?>
 <p:sld xmlns:a="http://schemas.openxmlformats.org/drawingml/2006/main" xmlns:r="http://schemas.openxmlformats.org/officeDocument/2006/relationships" xmlns:p="http://schemas.openxmlformats.org/presentationml/2006/main">
   <p:cSld>
     <p:spTree>
@@ -4500,8 +5743,8 @@
           </a:p>
         </p:txBody>
       </p:sp>
-      <mc:AlternateContent xmlns:mc="http://schemas.openxmlformats.org/markup-compatibility/2006">
-        <mc:Choice xmlns:a14="http://schemas.microsoft.com/office/drawing/2010/main" Requires="a14">
+      <mc:AlternateContent xmlns:mc="http://schemas.openxmlformats.org/markup-compatibility/2006" xmlns:a14="http://schemas.microsoft.com/office/drawing/2010/main">
+        <mc:Choice Requires="a14">
           <p:sp>
             <p:nvSpPr>
               <p:cNvPr id="7" name="TextBox 6">
@@ -4580,7 +5823,7 @@
             </p:txBody>
           </p:sp>
         </mc:Choice>
-        <mc:Fallback>
+        <mc:Fallback xmlns="">
           <p:sp>
             <p:nvSpPr>
               <p:cNvPr id="7" name="TextBox 6">
@@ -4638,7 +5881,7 @@
 </p:sld>
 </file>
 
-<file path=ppt/slides/slide17.xml><?xml version="1.0" encoding="utf-8"?>
+<file path=ppt/slides/slide21.xml><?xml version="1.0" encoding="utf-8"?>
 <p:sld xmlns:a="http://schemas.openxmlformats.org/drawingml/2006/main" xmlns:r="http://schemas.openxmlformats.org/officeDocument/2006/relationships" xmlns:p="http://schemas.openxmlformats.org/presentationml/2006/main">
   <p:cSld>
     <p:spTree>
@@ -4762,7 +6005,7 @@
 </p:sld>
 </file>
 
-<file path=ppt/slides/slide18.xml><?xml version="1.0" encoding="utf-8"?>
+<file path=ppt/slides/slide22.xml><?xml version="1.0" encoding="utf-8"?>
 <p:sld xmlns:a="http://schemas.openxmlformats.org/drawingml/2006/main" xmlns:r="http://schemas.openxmlformats.org/officeDocument/2006/relationships" xmlns:p="http://schemas.openxmlformats.org/presentationml/2006/main">
   <p:cSld>
     <p:spTree>
@@ -4822,7 +6065,13 @@
           <p:nvPr/>
         </p:nvPicPr>
         <p:blipFill>
-          <a:blip r:embed="rId2"/>
+          <a:blip r:embed="rId2" cstate="print">
+            <a:extLst>
+              <a:ext uri="{28A0092B-C50C-407E-A947-70E740481C1C}">
+                <a14:useLocalDpi xmlns:a14="http://schemas.microsoft.com/office/drawing/2010/main"/>
+              </a:ext>
+            </a:extLst>
+          </a:blip>
           <a:stretch>
             <a:fillRect/>
           </a:stretch>
@@ -4837,8 +6086,8 @@
           </a:prstGeom>
         </p:spPr>
       </p:pic>
-      <mc:AlternateContent xmlns:mc="http://schemas.openxmlformats.org/markup-compatibility/2006">
-        <mc:Choice xmlns:a14="http://schemas.microsoft.com/office/drawing/2010/main" Requires="a14">
+      <mc:AlternateContent xmlns:mc="http://schemas.openxmlformats.org/markup-compatibility/2006" xmlns:a14="http://schemas.microsoft.com/office/drawing/2010/main">
+        <mc:Choice Requires="a14">
           <p:sp>
             <p:nvSpPr>
               <p:cNvPr id="6" name="TextBox 5">
@@ -4922,7 +6171,7 @@
             </p:txBody>
           </p:sp>
         </mc:Choice>
-        <mc:Fallback>
+        <mc:Fallback xmlns="">
           <p:sp>
             <p:nvSpPr>
               <p:cNvPr id="6" name="TextBox 5">
@@ -4980,7 +6229,7 @@
 </p:sld>
 </file>
 
-<file path=ppt/slides/slide19.xml><?xml version="1.0" encoding="utf-8"?>
+<file path=ppt/slides/slide23.xml><?xml version="1.0" encoding="utf-8"?>
 <p:sld xmlns:a="http://schemas.openxmlformats.org/drawingml/2006/main" xmlns:r="http://schemas.openxmlformats.org/officeDocument/2006/relationships" xmlns:p="http://schemas.openxmlformats.org/presentationml/2006/main">
   <p:cSld>
     <p:spTree>
@@ -5041,7 +6290,13 @@
           <p:nvPr/>
         </p:nvPicPr>
         <p:blipFill>
-          <a:blip r:embed="rId2"/>
+          <a:blip r:embed="rId2" cstate="print">
+            <a:extLst>
+              <a:ext uri="{28A0092B-C50C-407E-A947-70E740481C1C}">
+                <a14:useLocalDpi xmlns:a14="http://schemas.microsoft.com/office/drawing/2010/main"/>
+              </a:ext>
+            </a:extLst>
+          </a:blip>
           <a:stretch>
             <a:fillRect/>
           </a:stretch>
@@ -5113,112 +6368,7 @@
 </p:sld>
 </file>
 
-<file path=ppt/slides/slide2.xml><?xml version="1.0" encoding="utf-8"?>
-<p:sld xmlns:a="http://schemas.openxmlformats.org/drawingml/2006/main" xmlns:r="http://schemas.openxmlformats.org/officeDocument/2006/relationships" xmlns:p="http://schemas.openxmlformats.org/presentationml/2006/main">
-  <p:cSld>
-    <p:spTree>
-      <p:nvGrpSpPr>
-        <p:cNvPr id="1" name=""/>
-        <p:cNvGrpSpPr/>
-        <p:nvPr/>
-      </p:nvGrpSpPr>
-      <p:grpSpPr>
-        <a:xfrm>
-          <a:off x="0" y="0"/>
-          <a:ext cx="0" cy="0"/>
-          <a:chOff x="0" y="0"/>
-          <a:chExt cx="0" cy="0"/>
-        </a:xfrm>
-      </p:grpSpPr>
-      <p:sp>
-        <p:nvSpPr>
-          <p:cNvPr id="2" name="Title 1">
-            <a:extLst>
-              <a:ext uri="{FF2B5EF4-FFF2-40B4-BE49-F238E27FC236}">
-                <a16:creationId xmlns:a16="http://schemas.microsoft.com/office/drawing/2014/main" id="{13E2BF34-7ADB-D7FD-DB56-D76FA86819B4}"/>
-              </a:ext>
-            </a:extLst>
-          </p:cNvPr>
-          <p:cNvSpPr>
-            <a:spLocks noGrp="1"/>
-          </p:cNvSpPr>
-          <p:nvPr>
-            <p:ph type="title"/>
-          </p:nvPr>
-        </p:nvSpPr>
-        <p:spPr/>
-        <p:txBody>
-          <a:bodyPr/>
-          <a:lstStyle/>
-          <a:p>
-            <a:r>
-              <a:rPr lang="en-US" dirty="0"/>
-              <a:t>Roadmap</a:t>
-            </a:r>
-          </a:p>
-        </p:txBody>
-      </p:sp>
-      <p:sp>
-        <p:nvSpPr>
-          <p:cNvPr id="3" name="Content Placeholder 2">
-            <a:extLst>
-              <a:ext uri="{FF2B5EF4-FFF2-40B4-BE49-F238E27FC236}">
-                <a16:creationId xmlns:a16="http://schemas.microsoft.com/office/drawing/2014/main" id="{15877A52-1A5A-2D01-2F6A-945004C3BAEE}"/>
-              </a:ext>
-            </a:extLst>
-          </p:cNvPr>
-          <p:cNvSpPr>
-            <a:spLocks noGrp="1"/>
-          </p:cNvSpPr>
-          <p:nvPr>
-            <p:ph idx="1"/>
-          </p:nvPr>
-        </p:nvSpPr>
-        <p:spPr/>
-        <p:txBody>
-          <a:bodyPr>
-            <a:normAutofit/>
-          </a:bodyPr>
-          <a:lstStyle/>
-          <a:p>
-            <a:r>
-              <a:rPr lang="en-US" sz="3600" dirty="0"/>
-              <a:t>Intro: Yann’s </a:t>
-            </a:r>
-            <a:r>
-              <a:rPr lang="zh-CN" altLang="en-US" sz="3600" dirty="0"/>
-              <a:t>指点江山</a:t>
-            </a:r>
-            <a:endParaRPr lang="en-US" sz="3600" dirty="0"/>
-          </a:p>
-          <a:p>
-            <a:r>
-              <a:rPr lang="en-US" sz="3600" dirty="0"/>
-              <a:t>VICReg</a:t>
-            </a:r>
-          </a:p>
-          <a:p>
-            <a:r>
-              <a:rPr lang="en-US" sz="3600" dirty="0"/>
-              <a:t>Related works</a:t>
-            </a:r>
-          </a:p>
-        </p:txBody>
-      </p:sp>
-    </p:spTree>
-    <p:extLst>
-      <p:ext uri="{BB962C8B-B14F-4D97-AF65-F5344CB8AC3E}">
-        <p14:creationId xmlns:p14="http://schemas.microsoft.com/office/powerpoint/2010/main" val="3854740279"/>
-      </p:ext>
-    </p:extLst>
-  </p:cSld>
-  <p:clrMapOvr>
-    <a:masterClrMapping/>
-  </p:clrMapOvr>
-</p:sld>
-</file>
-
-<file path=ppt/slides/slide20.xml><?xml version="1.0" encoding="utf-8"?>
+<file path=ppt/slides/slide24.xml><?xml version="1.0" encoding="utf-8"?>
 <p:sld xmlns:a="http://schemas.openxmlformats.org/drawingml/2006/main" xmlns:r="http://schemas.openxmlformats.org/officeDocument/2006/relationships" xmlns:p="http://schemas.openxmlformats.org/presentationml/2006/main">
   <p:cSld>
     <p:spTree>
@@ -5397,7 +6547,7 @@
 </p:sld>
 </file>
 
-<file path=ppt/slides/slide21.xml><?xml version="1.0" encoding="utf-8"?>
+<file path=ppt/slides/slide25.xml><?xml version="1.0" encoding="utf-8"?>
 <p:sld xmlns:a="http://schemas.openxmlformats.org/drawingml/2006/main" xmlns:r="http://schemas.openxmlformats.org/officeDocument/2006/relationships" xmlns:p="http://schemas.openxmlformats.org/presentationml/2006/main">
   <p:cSld>
     <p:spTree>
@@ -5458,7 +6608,13 @@
           <p:nvPr/>
         </p:nvPicPr>
         <p:blipFill>
-          <a:blip r:embed="rId2"/>
+          <a:blip r:embed="rId2" cstate="print">
+            <a:extLst>
+              <a:ext uri="{28A0092B-C50C-407E-A947-70E740481C1C}">
+                <a14:useLocalDpi xmlns:a14="http://schemas.microsoft.com/office/drawing/2010/main"/>
+              </a:ext>
+            </a:extLst>
+          </a:blip>
           <a:stretch>
             <a:fillRect/>
           </a:stretch>
@@ -5486,7 +6642,7 @@
 </p:sld>
 </file>
 
-<file path=ppt/slides/slide22.xml><?xml version="1.0" encoding="utf-8"?>
+<file path=ppt/slides/slide26.xml><?xml version="1.0" encoding="utf-8"?>
 <p:sld xmlns:a="http://schemas.openxmlformats.org/drawingml/2006/main" xmlns:r="http://schemas.openxmlformats.org/officeDocument/2006/relationships" xmlns:p="http://schemas.openxmlformats.org/presentationml/2006/main">
   <p:cSld>
     <p:spTree>
@@ -5590,7 +6746,7 @@
 </p:sld>
 </file>
 
-<file path=ppt/slides/slide23.xml><?xml version="1.0" encoding="utf-8"?>
+<file path=ppt/slides/slide27.xml><?xml version="1.0" encoding="utf-8"?>
 <p:sld xmlns:a="http://schemas.openxmlformats.org/drawingml/2006/main" xmlns:r="http://schemas.openxmlformats.org/officeDocument/2006/relationships" xmlns:p="http://schemas.openxmlformats.org/presentationml/2006/main">
   <p:cSld>
     <p:spTree>
@@ -5678,7 +6834,7 @@
 </p:sld>
 </file>
 
-<file path=ppt/slides/slide24.xml><?xml version="1.0" encoding="utf-8"?>
+<file path=ppt/slides/slide28.xml><?xml version="1.0" encoding="utf-8"?>
 <p:sld xmlns:a="http://schemas.openxmlformats.org/drawingml/2006/main" xmlns:r="http://schemas.openxmlformats.org/officeDocument/2006/relationships" xmlns:p="http://schemas.openxmlformats.org/presentationml/2006/main">
   <p:cSld>
     <p:spTree>
@@ -5752,7 +6908,7 @@
         </p:spPr>
         <p:txBody>
           <a:bodyPr>
-            <a:normAutofit fontScale="62500" lnSpcReduction="20000"/>
+            <a:normAutofit fontScale="55000" lnSpcReduction="20000"/>
           </a:bodyPr>
           <a:lstStyle/>
           <a:p>
@@ -6062,7 +7218,22 @@
             </a:r>
           </a:p>
           <a:p>
-            <a:endParaRPr lang="en-US" dirty="0"/>
+            <a:r>
+              <a:rPr lang="en-US" dirty="0" err="1"/>
+              <a:t>LeCun</a:t>
+            </a:r>
+            <a:r>
+              <a:rPr lang="en-US" dirty="0"/>
+              <a:t>, Y. (2022). A path towards autonomous machine intelligence. preprint posted on </a:t>
+            </a:r>
+            <a:r>
+              <a:rPr lang="en-US" dirty="0" err="1"/>
+              <a:t>openreview</a:t>
+            </a:r>
+            <a:r>
+              <a:rPr lang="en-US" dirty="0"/>
+              <a:t>.</a:t>
+            </a:r>
           </a:p>
         </p:txBody>
       </p:sp>
@@ -6352,8 +7523,8 @@
           </a:p>
         </p:txBody>
       </p:sp>
-      <mc:AlternateContent xmlns:mc="http://schemas.openxmlformats.org/markup-compatibility/2006">
-        <mc:Choice xmlns:a14="http://schemas.microsoft.com/office/drawing/2010/main" Requires="a14">
+      <mc:AlternateContent xmlns:mc="http://schemas.openxmlformats.org/markup-compatibility/2006" xmlns:a14="http://schemas.microsoft.com/office/drawing/2010/main">
+        <mc:Choice Requires="a14">
           <p:sp>
             <p:nvSpPr>
               <p:cNvPr id="3" name="Content Placeholder 2">
@@ -6402,6 +7573,13 @@
                 </a:r>
               </a:p>
               <a:p>
+                <a:pPr lvl="1"/>
+                <a:r>
+                  <a:rPr lang="en-US" sz="3200" dirty="0"/>
+                  <a:t>---- the core inductive bias. </a:t>
+                </a:r>
+              </a:p>
+              <a:p>
                 <a:r>
                   <a:rPr lang="en-US" dirty="0"/>
                   <a:t>Previously called: “discriminative </a:t>
@@ -6414,10 +7592,46 @@
                   <a:t>unsupervised feature learning”. </a:t>
                 </a:r>
               </a:p>
+              <a:p>
+                <a:pPr marL="228600" marR="0" lvl="0" indent="-228600" algn="l" defTabSz="914400" rtl="0" eaLnBrk="1" fontAlgn="auto" latinLnBrk="0" hangingPunct="1">
+                  <a:lnSpc>
+                    <a:spcPct val="90000"/>
+                  </a:lnSpc>
+                  <a:spcBef>
+                    <a:spcPts val="1000"/>
+                  </a:spcBef>
+                  <a:spcAft>
+                    <a:spcPts val="0"/>
+                  </a:spcAft>
+                  <a:buClrTx/>
+                  <a:buSzTx/>
+                  <a:buFont typeface="Arial" panose="020B0604020202020204" pitchFamily="34" charset="0"/>
+                  <a:buChar char="•"/>
+                  <a:tabLst/>
+                  <a:defRPr/>
+                </a:pPr>
+                <a:r>
+                  <a:rPr kumimoji="0" lang="en-US" sz="3600" b="0" i="0" u="none" strike="noStrike" kern="1200" cap="none" spc="0" normalizeH="0" baseline="0" noProof="0" dirty="0">
+                    <a:ln>
+                      <a:noFill/>
+                    </a:ln>
+                    <a:solidFill>
+                      <a:prstClr val="black"/>
+                    </a:solidFill>
+                    <a:effectLst/>
+                    <a:uLnTx/>
+                    <a:uFillTx/>
+                    <a:latin typeface="Calibri" panose="020F0502020204030204"/>
+                    <a:ea typeface="+mn-ea"/>
+                    <a:cs typeface="+mn-cs"/>
+                  </a:rPr>
+                  <a:t>Note the difference w/ traditional data augmentation. </a:t>
+                </a:r>
+              </a:p>
             </p:txBody>
           </p:sp>
         </mc:Choice>
-        <mc:Fallback>
+        <mc:Fallback xmlns="">
           <p:sp>
             <p:nvSpPr>
               <p:cNvPr id="3" name="Content Placeholder 2">
@@ -6527,8 +7741,8 @@
           <a:chExt cx="0" cy="0"/>
         </a:xfrm>
       </p:grpSpPr>
-      <mc:AlternateContent xmlns:mc="http://schemas.openxmlformats.org/markup-compatibility/2006">
-        <mc:Choice xmlns:a14="http://schemas.microsoft.com/office/drawing/2010/main" Requires="a14">
+      <mc:AlternateContent xmlns:mc="http://schemas.openxmlformats.org/markup-compatibility/2006" xmlns:a14="http://schemas.microsoft.com/office/drawing/2010/main">
+        <mc:Choice Requires="a14">
           <p:sp>
             <p:nvSpPr>
               <p:cNvPr id="2" name="Title 1">
@@ -6572,7 +7786,7 @@
             </p:txBody>
           </p:sp>
         </mc:Choice>
-        <mc:Fallback>
+        <mc:Fallback xmlns="">
           <p:sp>
             <p:nvSpPr>
               <p:cNvPr id="2" name="Title 1">
@@ -6768,8 +7982,8 @@
           </a:p>
         </p:txBody>
       </p:sp>
-      <mc:AlternateContent xmlns:mc="http://schemas.openxmlformats.org/markup-compatibility/2006">
-        <mc:Choice xmlns:a14="http://schemas.microsoft.com/office/drawing/2010/main" Requires="a14">
+      <mc:AlternateContent xmlns:mc="http://schemas.openxmlformats.org/markup-compatibility/2006" xmlns:a14="http://schemas.microsoft.com/office/drawing/2010/main">
+        <mc:Choice Requires="a14">
           <p:sp>
             <p:nvSpPr>
               <p:cNvPr id="3" name="Content Placeholder 2">
@@ -6862,7 +8076,7 @@
             </p:txBody>
           </p:sp>
         </mc:Choice>
-        <mc:Fallback>
+        <mc:Fallback xmlns="">
           <p:sp>
             <p:nvSpPr>
               <p:cNvPr id="3" name="Content Placeholder 2">
@@ -6964,8 +8178,8 @@
           </a:p>
         </p:txBody>
       </p:sp>
-      <mc:AlternateContent xmlns:mc="http://schemas.openxmlformats.org/markup-compatibility/2006">
-        <mc:Choice xmlns:a14="http://schemas.microsoft.com/office/drawing/2010/main" Requires="a14">
+      <mc:AlternateContent xmlns:mc="http://schemas.openxmlformats.org/markup-compatibility/2006" xmlns:a14="http://schemas.microsoft.com/office/drawing/2010/main">
+        <mc:Choice Requires="a14">
           <p:sp>
             <p:nvSpPr>
               <p:cNvPr id="3" name="Content Placeholder 2">
@@ -7085,7 +8299,7 @@
             </p:txBody>
           </p:sp>
         </mc:Choice>
-        <mc:Fallback>
+        <mc:Fallback xmlns="">
           <p:sp>
             <p:nvSpPr>
               <p:cNvPr id="3" name="Content Placeholder 2">
@@ -7159,40 +8373,135 @@
           <a:chExt cx="0" cy="0"/>
         </a:xfrm>
       </p:grpSpPr>
-      <p:pic>
-        <p:nvPicPr>
-          <p:cNvPr id="5" name="Picture 4">
-            <a:extLst>
-              <a:ext uri="{FF2B5EF4-FFF2-40B4-BE49-F238E27FC236}">
-                <a16:creationId xmlns:a16="http://schemas.microsoft.com/office/drawing/2014/main" id="{470F2E83-2FAD-8B4B-F9EE-CCEC392CE01E}"/>
-              </a:ext>
-            </a:extLst>
-          </p:cNvPr>
-          <p:cNvPicPr>
-            <a:picLocks noChangeAspect="1"/>
-          </p:cNvPicPr>
-          <p:nvPr/>
-        </p:nvPicPr>
-        <p:blipFill>
-          <a:blip r:embed="rId2"/>
-          <a:stretch>
-            <a:fillRect/>
-          </a:stretch>
-        </p:blipFill>
-        <p:spPr>
-          <a:xfrm>
-            <a:off x="0" y="1532407"/>
-            <a:ext cx="12192000" cy="3793186"/>
-          </a:xfrm>
-          <a:prstGeom prst="rect">
-            <a:avLst/>
-          </a:prstGeom>
-        </p:spPr>
-      </p:pic>
+      <p:sp>
+        <p:nvSpPr>
+          <p:cNvPr id="2" name="Title 1">
+            <a:extLst>
+              <a:ext uri="{FF2B5EF4-FFF2-40B4-BE49-F238E27FC236}">
+                <a16:creationId xmlns:a16="http://schemas.microsoft.com/office/drawing/2014/main" id="{B3E668E5-76C0-1D16-1503-BF456302DBC6}"/>
+              </a:ext>
+            </a:extLst>
+          </p:cNvPr>
+          <p:cNvSpPr>
+            <a:spLocks noGrp="1"/>
+          </p:cNvSpPr>
+          <p:nvPr>
+            <p:ph type="title"/>
+          </p:nvPr>
+        </p:nvSpPr>
+        <p:spPr/>
+        <p:txBody>
+          <a:bodyPr/>
+          <a:lstStyle/>
+          <a:p>
+            <a:r>
+              <a:rPr lang="en-US" dirty="0"/>
+              <a:t>Metric Learning VS Contrastive JEM</a:t>
+            </a:r>
+          </a:p>
+        </p:txBody>
+      </p:sp>
+      <p:sp>
+        <p:nvSpPr>
+          <p:cNvPr id="3" name="Content Placeholder 2">
+            <a:extLst>
+              <a:ext uri="{FF2B5EF4-FFF2-40B4-BE49-F238E27FC236}">
+                <a16:creationId xmlns:a16="http://schemas.microsoft.com/office/drawing/2014/main" id="{2D95C41A-852A-39F5-B96F-D026BEC7714B}"/>
+              </a:ext>
+            </a:extLst>
+          </p:cNvPr>
+          <p:cNvSpPr>
+            <a:spLocks noGrp="1"/>
+          </p:cNvSpPr>
+          <p:nvPr>
+            <p:ph idx="1"/>
+          </p:nvPr>
+        </p:nvSpPr>
+        <p:spPr/>
+        <p:txBody>
+          <a:bodyPr>
+            <a:normAutofit/>
+          </a:bodyPr>
+          <a:lstStyle/>
+          <a:p>
+            <a:r>
+              <a:rPr lang="en-US" sz="3600" dirty="0"/>
+              <a:t>Metric learning. </a:t>
+            </a:r>
+          </a:p>
+          <a:p>
+            <a:pPr lvl="1"/>
+            <a:r>
+              <a:rPr lang="en-US" sz="3200" dirty="0"/>
+              <a:t>Supervised. Same label -&gt; attract. Different labels -&gt; repel. </a:t>
+            </a:r>
+          </a:p>
+          <a:p>
+            <a:r>
+              <a:rPr lang="en-US" sz="3600" dirty="0"/>
+              <a:t>“instance as class”</a:t>
+            </a:r>
+          </a:p>
+          <a:p>
+            <a:pPr lvl="1"/>
+            <a:r>
+              <a:rPr lang="en-US" sz="3200" dirty="0"/>
+              <a:t>---- is how some papers frame the contrastive method. </a:t>
+            </a:r>
+          </a:p>
+          <a:p>
+            <a:pPr lvl="1"/>
+            <a:r>
+              <a:rPr lang="en-US" sz="3200" dirty="0"/>
+              <a:t>e.g. music </a:t>
+            </a:r>
+            <a:r>
+              <a:rPr lang="zh-CN" altLang="en-US" sz="3200" dirty="0"/>
+              <a:t>起承转合。</a:t>
+            </a:r>
+            <a:endParaRPr lang="en-US" sz="3200" dirty="0"/>
+          </a:p>
+          <a:p>
+            <a:r>
+              <a:rPr lang="zh-CN" altLang="en-US" sz="3600" dirty="0"/>
+              <a:t>想要利用 </a:t>
+            </a:r>
+            <a:r>
+              <a:rPr lang="en-US" sz="3600" dirty="0"/>
+              <a:t>“instance as class” </a:t>
+            </a:r>
+            <a:r>
+              <a:rPr lang="zh-CN" altLang="en-US" sz="3600" dirty="0"/>
+              <a:t>在自监督地做 </a:t>
+            </a:r>
+            <a:r>
+              <a:rPr lang="en-US" altLang="zh-CN" sz="3600" dirty="0"/>
+              <a:t>“metric learning”, </a:t>
+            </a:r>
+            <a:r>
+              <a:rPr lang="zh-CN" altLang="en-US" sz="3600" dirty="0"/>
+              <a:t>你需要 </a:t>
+            </a:r>
+            <a:r>
+              <a:rPr lang="en-US" altLang="zh-CN" sz="3600" dirty="0"/>
+              <a:t>data augmentation </a:t>
+            </a:r>
+            <a:r>
+              <a:rPr lang="zh-CN" altLang="en-US" sz="3600" dirty="0"/>
+              <a:t>和 </a:t>
+            </a:r>
+            <a:r>
+              <a:rPr lang="en-US" altLang="zh-CN" sz="3600" dirty="0"/>
+              <a:t>contrastive method. </a:t>
+            </a:r>
+            <a:endParaRPr lang="en-US" sz="3600" dirty="0"/>
+          </a:p>
+        </p:txBody>
+      </p:sp>
     </p:spTree>
     <p:extLst>
       <p:ext uri="{BB962C8B-B14F-4D97-AF65-F5344CB8AC3E}">
-        <p14:creationId xmlns:p14="http://schemas.microsoft.com/office/powerpoint/2010/main" val="1085502609"/>
+        <p14:creationId xmlns:p14="http://schemas.microsoft.com/office/powerpoint/2010/main" val="544899268"/>
       </p:ext>
     </p:extLst>
   </p:cSld>

--- a/notes_slides/VICReg_and_related_works.pptx
+++ b/notes_slides/VICReg_and_related_works.pptx
@@ -28,11 +28,13 @@
     <p:sldId id="276" r:id="rId22"/>
     <p:sldId id="275" r:id="rId23"/>
     <p:sldId id="278" r:id="rId24"/>
-    <p:sldId id="277" r:id="rId25"/>
-    <p:sldId id="279" r:id="rId26"/>
-    <p:sldId id="268" r:id="rId27"/>
-    <p:sldId id="270" r:id="rId28"/>
-    <p:sldId id="260" r:id="rId29"/>
+    <p:sldId id="284" r:id="rId25"/>
+    <p:sldId id="277" r:id="rId26"/>
+    <p:sldId id="279" r:id="rId27"/>
+    <p:sldId id="268" r:id="rId28"/>
+    <p:sldId id="270" r:id="rId29"/>
+    <p:sldId id="260" r:id="rId30"/>
+    <p:sldId id="285" r:id="rId31"/>
   </p:sldIdLst>
   <p:sldSz cx="12192000" cy="6858000"/>
   <p:notesSz cx="6858000" cy="9144000"/>
@@ -3575,8 +3577,8 @@
           </a:prstGeom>
         </p:spPr>
       </p:pic>
-      <mc:AlternateContent xmlns:mc="http://schemas.openxmlformats.org/markup-compatibility/2006" xmlns:a14="http://schemas.microsoft.com/office/drawing/2010/main">
-        <mc:Choice Requires="a14">
+      <mc:AlternateContent xmlns:mc="http://schemas.openxmlformats.org/markup-compatibility/2006">
+        <mc:Choice xmlns:a14="http://schemas.microsoft.com/office/drawing/2010/main" Requires="a14">
           <p:sp>
             <p:nvSpPr>
               <p:cNvPr id="12" name="TextBox 11">
@@ -3617,6 +3619,12 @@
                       </a:rPr>
                       <m:t>𝑧</m:t>
                     </m:r>
+                    <m:r>
+                      <a:rPr lang="en-US" sz="4000" b="0" i="1" smtClean="0">
+                        <a:latin typeface="Cambria Math" panose="02040503050406030204" pitchFamily="18" charset="0"/>
+                      </a:rPr>
+                      <m:t>.</m:t>
+                    </m:r>
                   </m:oMath>
                 </a14:m>
                 <a:endParaRPr lang="en-US" sz="4000" dirty="0"/>
@@ -3624,7 +3632,7 @@
             </p:txBody>
           </p:sp>
         </mc:Choice>
-        <mc:Fallback xmlns="">
+        <mc:Fallback>
           <p:sp>
             <p:nvSpPr>
               <p:cNvPr id="12" name="TextBox 11">
@@ -5971,7 +5979,7 @@
         <p:spPr>
           <a:xfrm>
             <a:off x="7765508" y="238481"/>
-            <a:ext cx="4329998" cy="584775"/>
+            <a:ext cx="4329998" cy="1077218"/>
           </a:xfrm>
           <a:prstGeom prst="rect">
             <a:avLst/>
@@ -5986,9 +5994,14 @@
           <a:p>
             <a:r>
               <a:rPr lang="en-US" altLang="zh-CN" sz="3200" dirty="0"/>
-              <a:t>Branch asymmetry</a:t>
-            </a:r>
-            <a:endParaRPr lang="en-US" sz="3200" dirty="0"/>
+              <a:t>Branch asymmetry. </a:t>
+            </a:r>
+          </a:p>
+          <a:p>
+            <a:r>
+              <a:rPr lang="en-US" sz="3200" dirty="0"/>
+              <a:t>Momentum encoder.  </a:t>
+            </a:r>
           </a:p>
         </p:txBody>
       </p:sp>
@@ -6355,6 +6368,42 @@
           </a:p>
         </p:txBody>
       </p:sp>
+      <p:sp>
+        <p:nvSpPr>
+          <p:cNvPr id="4" name="TextBox 3">
+            <a:extLst>
+              <a:ext uri="{FF2B5EF4-FFF2-40B4-BE49-F238E27FC236}">
+                <a16:creationId xmlns:a16="http://schemas.microsoft.com/office/drawing/2014/main" id="{065C5F03-2126-38AA-9807-85AEEBA19429}"/>
+              </a:ext>
+            </a:extLst>
+          </p:cNvPr>
+          <p:cNvSpPr txBox="1"/>
+          <p:nvPr/>
+        </p:nvSpPr>
+        <p:spPr>
+          <a:xfrm>
+            <a:off x="6933816" y="3379605"/>
+            <a:ext cx="4356038" cy="523220"/>
+          </a:xfrm>
+          <a:prstGeom prst="rect">
+            <a:avLst/>
+          </a:prstGeom>
+          <a:noFill/>
+        </p:spPr>
+        <p:txBody>
+          <a:bodyPr wrap="square">
+            <a:spAutoFit/>
+          </a:bodyPr>
+          <a:lstStyle/>
+          <a:p>
+            <a:r>
+              <a:rPr lang="zh-CN" altLang="en-US" sz="2800" dirty="0"/>
+              <a:t>猜猜全称是啥</a:t>
+            </a:r>
+            <a:endParaRPr lang="en-US" sz="2800" dirty="0"/>
+          </a:p>
+        </p:txBody>
+      </p:sp>
     </p:spTree>
     <p:extLst>
       <p:ext uri="{BB962C8B-B14F-4D97-AF65-F5344CB8AC3E}">
@@ -6390,6 +6439,210 @@
           <p:cNvPr id="2" name="Title 1">
             <a:extLst>
               <a:ext uri="{FF2B5EF4-FFF2-40B4-BE49-F238E27FC236}">
+                <a16:creationId xmlns:a16="http://schemas.microsoft.com/office/drawing/2014/main" id="{CB16337C-FC54-E03C-75CC-06C9B0F278F4}"/>
+              </a:ext>
+            </a:extLst>
+          </p:cNvPr>
+          <p:cNvSpPr>
+            <a:spLocks noGrp="1"/>
+          </p:cNvSpPr>
+          <p:nvPr>
+            <p:ph type="title"/>
+          </p:nvPr>
+        </p:nvSpPr>
+        <p:spPr/>
+        <p:txBody>
+          <a:bodyPr/>
+          <a:lstStyle/>
+          <a:p>
+            <a:r>
+              <a:rPr lang="en-US" dirty="0" err="1"/>
+              <a:t>SwAV</a:t>
+            </a:r>
+            <a:endParaRPr lang="en-US" dirty="0"/>
+          </a:p>
+        </p:txBody>
+      </p:sp>
+      <p:pic>
+        <p:nvPicPr>
+          <p:cNvPr id="5" name="Picture 4">
+            <a:extLst>
+              <a:ext uri="{FF2B5EF4-FFF2-40B4-BE49-F238E27FC236}">
+                <a16:creationId xmlns:a16="http://schemas.microsoft.com/office/drawing/2014/main" id="{5D2FDBAA-C46E-0E62-A090-3A3C14A03A28}"/>
+              </a:ext>
+            </a:extLst>
+          </p:cNvPr>
+          <p:cNvPicPr>
+            <a:picLocks noChangeAspect="1"/>
+          </p:cNvPicPr>
+          <p:nvPr/>
+        </p:nvPicPr>
+        <p:blipFill>
+          <a:blip r:embed="rId2" cstate="print">
+            <a:extLst>
+              <a:ext uri="{28A0092B-C50C-407E-A947-70E740481C1C}">
+                <a14:useLocalDpi xmlns:a14="http://schemas.microsoft.com/office/drawing/2010/main"/>
+              </a:ext>
+            </a:extLst>
+          </a:blip>
+          <a:stretch>
+            <a:fillRect/>
+          </a:stretch>
+        </p:blipFill>
+        <p:spPr>
+          <a:xfrm>
+            <a:off x="2682421" y="0"/>
+            <a:ext cx="3831217" cy="6858000"/>
+          </a:xfrm>
+          <a:prstGeom prst="rect">
+            <a:avLst/>
+          </a:prstGeom>
+        </p:spPr>
+      </p:pic>
+      <p:sp>
+        <p:nvSpPr>
+          <p:cNvPr id="6" name="TextBox 5">
+            <a:extLst>
+              <a:ext uri="{FF2B5EF4-FFF2-40B4-BE49-F238E27FC236}">
+                <a16:creationId xmlns:a16="http://schemas.microsoft.com/office/drawing/2014/main" id="{56FFADF8-0F0B-8FA7-5B7A-C6AFF6801BC4}"/>
+              </a:ext>
+            </a:extLst>
+          </p:cNvPr>
+          <p:cNvSpPr txBox="1"/>
+          <p:nvPr/>
+        </p:nvSpPr>
+        <p:spPr>
+          <a:xfrm>
+            <a:off x="7131401" y="238481"/>
+            <a:ext cx="4964105" cy="584775"/>
+          </a:xfrm>
+          <a:prstGeom prst="rect">
+            <a:avLst/>
+          </a:prstGeom>
+          <a:noFill/>
+        </p:spPr>
+        <p:txBody>
+          <a:bodyPr wrap="square" rtlCol="0">
+            <a:spAutoFit/>
+          </a:bodyPr>
+          <a:lstStyle/>
+          <a:p>
+            <a:r>
+              <a:rPr lang="en-US" altLang="zh-CN" sz="3200" dirty="0"/>
+              <a:t>Clustering </a:t>
+            </a:r>
+            <a:r>
+              <a:rPr lang="zh-CN" altLang="en-US" sz="3200" dirty="0"/>
+              <a:t>自带了 </a:t>
+            </a:r>
+            <a:r>
+              <a:rPr lang="en-US" altLang="zh-CN" sz="3200" dirty="0"/>
+              <a:t>stop-grad. </a:t>
+            </a:r>
+            <a:endParaRPr lang="en-US" sz="3200" dirty="0"/>
+          </a:p>
+        </p:txBody>
+      </p:sp>
+      <p:sp>
+        <p:nvSpPr>
+          <p:cNvPr id="4" name="TextBox 3">
+            <a:extLst>
+              <a:ext uri="{FF2B5EF4-FFF2-40B4-BE49-F238E27FC236}">
+                <a16:creationId xmlns:a16="http://schemas.microsoft.com/office/drawing/2014/main" id="{065C5F03-2126-38AA-9807-85AEEBA19429}"/>
+              </a:ext>
+            </a:extLst>
+          </p:cNvPr>
+          <p:cNvSpPr txBox="1"/>
+          <p:nvPr/>
+        </p:nvSpPr>
+        <p:spPr>
+          <a:xfrm>
+            <a:off x="6933816" y="3379605"/>
+            <a:ext cx="4356038" cy="1384995"/>
+          </a:xfrm>
+          <a:prstGeom prst="rect">
+            <a:avLst/>
+          </a:prstGeom>
+          <a:noFill/>
+        </p:spPr>
+        <p:txBody>
+          <a:bodyPr wrap="square">
+            <a:spAutoFit/>
+          </a:bodyPr>
+          <a:lstStyle/>
+          <a:p>
+            <a:r>
+              <a:rPr lang="en-US" sz="2800" b="1" dirty="0"/>
+              <a:t>Sw</a:t>
+            </a:r>
+            <a:r>
+              <a:rPr lang="en-US" sz="2800" dirty="0"/>
+              <a:t>apping </a:t>
+            </a:r>
+            <a:r>
+              <a:rPr lang="en-US" sz="2800" b="1" dirty="0"/>
+              <a:t>A</a:t>
+            </a:r>
+            <a:r>
+              <a:rPr lang="en-US" sz="2800" dirty="0"/>
+              <a:t>ssignments </a:t>
+            </a:r>
+            <a:br>
+              <a:rPr lang="en-US" sz="2800" dirty="0"/>
+            </a:br>
+            <a:r>
+              <a:rPr lang="en-US" sz="2800" dirty="0"/>
+              <a:t>between multiple </a:t>
+            </a:r>
+            <a:br>
+              <a:rPr lang="en-US" sz="2800" dirty="0"/>
+            </a:br>
+            <a:r>
+              <a:rPr lang="en-US" sz="2800" b="1" dirty="0"/>
+              <a:t>V</a:t>
+            </a:r>
+            <a:r>
+              <a:rPr lang="en-US" sz="2800" dirty="0"/>
+              <a:t>iews of the same image </a:t>
+            </a:r>
+          </a:p>
+        </p:txBody>
+      </p:sp>
+    </p:spTree>
+    <p:extLst>
+      <p:ext uri="{BB962C8B-B14F-4D97-AF65-F5344CB8AC3E}">
+        <p14:creationId xmlns:p14="http://schemas.microsoft.com/office/powerpoint/2010/main" val="3293747374"/>
+      </p:ext>
+    </p:extLst>
+  </p:cSld>
+  <p:clrMapOvr>
+    <a:masterClrMapping/>
+  </p:clrMapOvr>
+</p:sld>
+</file>
+
+<file path=ppt/slides/slide25.xml><?xml version="1.0" encoding="utf-8"?>
+<p:sld xmlns:a="http://schemas.openxmlformats.org/drawingml/2006/main" xmlns:r="http://schemas.openxmlformats.org/officeDocument/2006/relationships" xmlns:p="http://schemas.openxmlformats.org/presentationml/2006/main">
+  <p:cSld>
+    <p:spTree>
+      <p:nvGrpSpPr>
+        <p:cNvPr id="1" name=""/>
+        <p:cNvGrpSpPr/>
+        <p:nvPr/>
+      </p:nvGrpSpPr>
+      <p:grpSpPr>
+        <a:xfrm>
+          <a:off x="0" y="0"/>
+          <a:ext cx="0" cy="0"/>
+          <a:chOff x="0" y="0"/>
+          <a:chExt cx="0" cy="0"/>
+        </a:xfrm>
+      </p:grpSpPr>
+      <p:sp>
+        <p:nvSpPr>
+          <p:cNvPr id="2" name="Title 1">
+            <a:extLst>
+              <a:ext uri="{FF2B5EF4-FFF2-40B4-BE49-F238E27FC236}">
                 <a16:creationId xmlns:a16="http://schemas.microsoft.com/office/drawing/2014/main" id="{1F6D10F9-3F02-1B52-B4E9-FCC070EA9A00}"/>
               </a:ext>
             </a:extLst>
@@ -6458,7 +6711,7 @@
         </p:nvSpPr>
         <p:spPr>
           <a:xfrm>
-            <a:off x="8225004" y="238481"/>
+            <a:off x="7985444" y="468690"/>
             <a:ext cx="3870501" cy="4647426"/>
           </a:xfrm>
           <a:prstGeom prst="rect">
@@ -6531,6 +6784,57 @@
               <a:t>掉。</a:t>
             </a:r>
             <a:endParaRPr lang="en-US" sz="2400" dirty="0"/>
+          </a:p>
+        </p:txBody>
+      </p:sp>
+      <p:sp>
+        <p:nvSpPr>
+          <p:cNvPr id="7" name="TextBox 6">
+            <a:extLst>
+              <a:ext uri="{FF2B5EF4-FFF2-40B4-BE49-F238E27FC236}">
+                <a16:creationId xmlns:a16="http://schemas.microsoft.com/office/drawing/2014/main" id="{D825A826-979B-7770-0858-D53A0D5AF06B}"/>
+              </a:ext>
+            </a:extLst>
+          </p:cNvPr>
+          <p:cNvSpPr txBox="1"/>
+          <p:nvPr/>
+        </p:nvSpPr>
+        <p:spPr>
+          <a:xfrm>
+            <a:off x="7232490" y="5479505"/>
+            <a:ext cx="5037242" cy="1200329"/>
+          </a:xfrm>
+          <a:prstGeom prst="rect">
+            <a:avLst/>
+          </a:prstGeom>
+          <a:noFill/>
+        </p:spPr>
+        <p:txBody>
+          <a:bodyPr wrap="square">
+            <a:spAutoFit/>
+          </a:bodyPr>
+          <a:lstStyle/>
+          <a:p>
+            <a:r>
+              <a:rPr lang="en-US" sz="2400" i="1" dirty="0"/>
+              <a:t>“BYOL without momentum encoder. </a:t>
+            </a:r>
+            <a:r>
+              <a:rPr lang="en-US" sz="2400" i="1" dirty="0" err="1"/>
+              <a:t>SimCLR</a:t>
+            </a:r>
+            <a:r>
+              <a:rPr lang="en-US" sz="2400" i="1" dirty="0"/>
+              <a:t> without negative samples. </a:t>
+            </a:r>
+            <a:r>
+              <a:rPr lang="en-US" sz="2400" i="1" dirty="0" err="1"/>
+              <a:t>SwAV</a:t>
+            </a:r>
+            <a:r>
+              <a:rPr lang="en-US" sz="2400" i="1" dirty="0"/>
+              <a:t> without online clustering.”</a:t>
+            </a:r>
           </a:p>
         </p:txBody>
       </p:sp>
@@ -6547,7 +6851,7 @@
 </p:sld>
 </file>
 
-<file path=ppt/slides/slide25.xml><?xml version="1.0" encoding="utf-8"?>
+<file path=ppt/slides/slide26.xml><?xml version="1.0" encoding="utf-8"?>
 <p:sld xmlns:a="http://schemas.openxmlformats.org/drawingml/2006/main" xmlns:r="http://schemas.openxmlformats.org/officeDocument/2006/relationships" xmlns:p="http://schemas.openxmlformats.org/presentationml/2006/main">
   <p:cSld>
     <p:spTree>
@@ -6642,110 +6946,6 @@
 </p:sld>
 </file>
 
-<file path=ppt/slides/slide26.xml><?xml version="1.0" encoding="utf-8"?>
-<p:sld xmlns:a="http://schemas.openxmlformats.org/drawingml/2006/main" xmlns:r="http://schemas.openxmlformats.org/officeDocument/2006/relationships" xmlns:p="http://schemas.openxmlformats.org/presentationml/2006/main">
-  <p:cSld>
-    <p:spTree>
-      <p:nvGrpSpPr>
-        <p:cNvPr id="1" name=""/>
-        <p:cNvGrpSpPr/>
-        <p:nvPr/>
-      </p:nvGrpSpPr>
-      <p:grpSpPr>
-        <a:xfrm>
-          <a:off x="0" y="0"/>
-          <a:ext cx="0" cy="0"/>
-          <a:chOff x="0" y="0"/>
-          <a:chExt cx="0" cy="0"/>
-        </a:xfrm>
-      </p:grpSpPr>
-      <p:sp>
-        <p:nvSpPr>
-          <p:cNvPr id="2" name="Title 1">
-            <a:extLst>
-              <a:ext uri="{FF2B5EF4-FFF2-40B4-BE49-F238E27FC236}">
-                <a16:creationId xmlns:a16="http://schemas.microsoft.com/office/drawing/2014/main" id="{C1B3385D-4584-2971-8BAF-60274CBB505E}"/>
-              </a:ext>
-            </a:extLst>
-          </p:cNvPr>
-          <p:cNvSpPr>
-            <a:spLocks noGrp="1"/>
-          </p:cNvSpPr>
-          <p:nvPr>
-            <p:ph type="title"/>
-          </p:nvPr>
-        </p:nvSpPr>
-        <p:spPr/>
-        <p:txBody>
-          <a:bodyPr/>
-          <a:lstStyle/>
-          <a:p>
-            <a:r>
-              <a:rPr lang="en-US" dirty="0"/>
-              <a:t>VICReg</a:t>
-            </a:r>
-          </a:p>
-        </p:txBody>
-      </p:sp>
-      <p:sp>
-        <p:nvSpPr>
-          <p:cNvPr id="3" name="Content Placeholder 2">
-            <a:extLst>
-              <a:ext uri="{FF2B5EF4-FFF2-40B4-BE49-F238E27FC236}">
-                <a16:creationId xmlns:a16="http://schemas.microsoft.com/office/drawing/2014/main" id="{069ACBF8-FB50-06F2-F690-EA1DB6FB0168}"/>
-              </a:ext>
-            </a:extLst>
-          </p:cNvPr>
-          <p:cNvSpPr>
-            <a:spLocks noGrp="1"/>
-          </p:cNvSpPr>
-          <p:nvPr>
-            <p:ph idx="1"/>
-          </p:nvPr>
-        </p:nvSpPr>
-        <p:spPr/>
-        <p:txBody>
-          <a:bodyPr/>
-          <a:lstStyle/>
-          <a:p>
-            <a:r>
-              <a:rPr lang="en-US" sz="3200" dirty="0"/>
-              <a:t>does not require that the weights of the two branches be shared, not that the architectures be identical, nor that the inputs be of the same nature; </a:t>
-            </a:r>
-          </a:p>
-          <a:p>
-            <a:r>
-              <a:rPr lang="en-US" dirty="0"/>
-              <a:t>does not require a memory bank, nor contrastive samples, nor a large batch size; </a:t>
-            </a:r>
-          </a:p>
-          <a:p>
-            <a:r>
-              <a:rPr lang="en-US" dirty="0"/>
-              <a:t>does not require batch-wise nor feature-wise normalization; and </a:t>
-            </a:r>
-          </a:p>
-          <a:p>
-            <a:r>
-              <a:rPr lang="en-US" dirty="0"/>
-              <a:t>does not require vector quantization nor a predictor module.</a:t>
-            </a:r>
-          </a:p>
-        </p:txBody>
-      </p:sp>
-    </p:spTree>
-    <p:extLst>
-      <p:ext uri="{BB962C8B-B14F-4D97-AF65-F5344CB8AC3E}">
-        <p14:creationId xmlns:p14="http://schemas.microsoft.com/office/powerpoint/2010/main" val="3036744207"/>
-      </p:ext>
-    </p:extLst>
-  </p:cSld>
-  <p:clrMapOvr>
-    <a:masterClrMapping/>
-  </p:clrMapOvr>
-</p:sld>
-</file>
-
 <file path=ppt/slides/slide27.xml><?xml version="1.0" encoding="utf-8"?>
 <p:sld xmlns:a="http://schemas.openxmlformats.org/drawingml/2006/main" xmlns:r="http://schemas.openxmlformats.org/officeDocument/2006/relationships" xmlns:p="http://schemas.openxmlformats.org/presentationml/2006/main">
   <p:cSld>
@@ -6768,6 +6968,110 @@
           <p:cNvPr id="2" name="Title 1">
             <a:extLst>
               <a:ext uri="{FF2B5EF4-FFF2-40B4-BE49-F238E27FC236}">
+                <a16:creationId xmlns:a16="http://schemas.microsoft.com/office/drawing/2014/main" id="{C1B3385D-4584-2971-8BAF-60274CBB505E}"/>
+              </a:ext>
+            </a:extLst>
+          </p:cNvPr>
+          <p:cNvSpPr>
+            <a:spLocks noGrp="1"/>
+          </p:cNvSpPr>
+          <p:nvPr>
+            <p:ph type="title"/>
+          </p:nvPr>
+        </p:nvSpPr>
+        <p:spPr/>
+        <p:txBody>
+          <a:bodyPr/>
+          <a:lstStyle/>
+          <a:p>
+            <a:r>
+              <a:rPr lang="en-US" dirty="0"/>
+              <a:t>VICReg</a:t>
+            </a:r>
+          </a:p>
+        </p:txBody>
+      </p:sp>
+      <p:sp>
+        <p:nvSpPr>
+          <p:cNvPr id="3" name="Content Placeholder 2">
+            <a:extLst>
+              <a:ext uri="{FF2B5EF4-FFF2-40B4-BE49-F238E27FC236}">
+                <a16:creationId xmlns:a16="http://schemas.microsoft.com/office/drawing/2014/main" id="{069ACBF8-FB50-06F2-F690-EA1DB6FB0168}"/>
+              </a:ext>
+            </a:extLst>
+          </p:cNvPr>
+          <p:cNvSpPr>
+            <a:spLocks noGrp="1"/>
+          </p:cNvSpPr>
+          <p:nvPr>
+            <p:ph idx="1"/>
+          </p:nvPr>
+        </p:nvSpPr>
+        <p:spPr/>
+        <p:txBody>
+          <a:bodyPr/>
+          <a:lstStyle/>
+          <a:p>
+            <a:r>
+              <a:rPr lang="en-US" sz="3200" dirty="0"/>
+              <a:t>does not require that the weights of the two branches be shared, not that the architectures be identical, nor that the inputs be of the same nature; </a:t>
+            </a:r>
+          </a:p>
+          <a:p>
+            <a:r>
+              <a:rPr lang="en-US" dirty="0"/>
+              <a:t>does not require a memory bank, nor contrastive samples, nor a large batch size; </a:t>
+            </a:r>
+          </a:p>
+          <a:p>
+            <a:r>
+              <a:rPr lang="en-US" dirty="0"/>
+              <a:t>does not require batch-wise nor feature-wise normalization; and </a:t>
+            </a:r>
+          </a:p>
+          <a:p>
+            <a:r>
+              <a:rPr lang="en-US" dirty="0"/>
+              <a:t>does not require vector quantization nor a predictor module.</a:t>
+            </a:r>
+          </a:p>
+        </p:txBody>
+      </p:sp>
+    </p:spTree>
+    <p:extLst>
+      <p:ext uri="{BB962C8B-B14F-4D97-AF65-F5344CB8AC3E}">
+        <p14:creationId xmlns:p14="http://schemas.microsoft.com/office/powerpoint/2010/main" val="3036744207"/>
+      </p:ext>
+    </p:extLst>
+  </p:cSld>
+  <p:clrMapOvr>
+    <a:masterClrMapping/>
+  </p:clrMapOvr>
+</p:sld>
+</file>
+
+<file path=ppt/slides/slide28.xml><?xml version="1.0" encoding="utf-8"?>
+<p:sld xmlns:a="http://schemas.openxmlformats.org/drawingml/2006/main" xmlns:r="http://schemas.openxmlformats.org/officeDocument/2006/relationships" xmlns:p="http://schemas.openxmlformats.org/presentationml/2006/main">
+  <p:cSld>
+    <p:spTree>
+      <p:nvGrpSpPr>
+        <p:cNvPr id="1" name=""/>
+        <p:cNvGrpSpPr/>
+        <p:nvPr/>
+      </p:nvGrpSpPr>
+      <p:grpSpPr>
+        <a:xfrm>
+          <a:off x="0" y="0"/>
+          <a:ext cx="0" cy="0"/>
+          <a:chOff x="0" y="0"/>
+          <a:chExt cx="0" cy="0"/>
+        </a:xfrm>
+      </p:grpSpPr>
+      <p:sp>
+        <p:nvSpPr>
+          <p:cNvPr id="2" name="Title 1">
+            <a:extLst>
+              <a:ext uri="{FF2B5EF4-FFF2-40B4-BE49-F238E27FC236}">
                 <a16:creationId xmlns:a16="http://schemas.microsoft.com/office/drawing/2014/main" id="{8526A07C-0775-95F0-F6CF-6ABE5C9F5F3A}"/>
               </a:ext>
             </a:extLst>
@@ -6834,7 +7138,7 @@
 </p:sld>
 </file>
 
-<file path=ppt/slides/slide28.xml><?xml version="1.0" encoding="utf-8"?>
+<file path=ppt/slides/slide29.xml><?xml version="1.0" encoding="utf-8"?>
 <p:sld xmlns:a="http://schemas.openxmlformats.org/drawingml/2006/main" xmlns:r="http://schemas.openxmlformats.org/officeDocument/2006/relationships" xmlns:p="http://schemas.openxmlformats.org/presentationml/2006/main">
   <p:cSld>
     <p:spTree>
@@ -7352,6 +7656,310 @@
     <p:extLst>
       <p:ext uri="{BB962C8B-B14F-4D97-AF65-F5344CB8AC3E}">
         <p14:creationId xmlns:p14="http://schemas.microsoft.com/office/powerpoint/2010/main" val="624973881"/>
+      </p:ext>
+    </p:extLst>
+  </p:cSld>
+  <p:clrMapOvr>
+    <a:masterClrMapping/>
+  </p:clrMapOvr>
+</p:sld>
+</file>
+
+<file path=ppt/slides/slide30.xml><?xml version="1.0" encoding="utf-8"?>
+<p:sld xmlns:a="http://schemas.openxmlformats.org/drawingml/2006/main" xmlns:r="http://schemas.openxmlformats.org/officeDocument/2006/relationships" xmlns:p="http://schemas.openxmlformats.org/presentationml/2006/main">
+  <p:cSld>
+    <p:spTree>
+      <p:nvGrpSpPr>
+        <p:cNvPr id="1" name=""/>
+        <p:cNvGrpSpPr/>
+        <p:nvPr/>
+      </p:nvGrpSpPr>
+      <p:grpSpPr>
+        <a:xfrm>
+          <a:off x="0" y="0"/>
+          <a:ext cx="0" cy="0"/>
+          <a:chOff x="0" y="0"/>
+          <a:chExt cx="0" cy="0"/>
+        </a:xfrm>
+      </p:grpSpPr>
+      <p:sp>
+        <p:nvSpPr>
+          <p:cNvPr id="2" name="Title 1">
+            <a:extLst>
+              <a:ext uri="{FF2B5EF4-FFF2-40B4-BE49-F238E27FC236}">
+                <a16:creationId xmlns:a16="http://schemas.microsoft.com/office/drawing/2014/main" id="{D36A4BA5-9575-35EA-703F-4BD1AB3DD2D3}"/>
+              </a:ext>
+            </a:extLst>
+          </p:cNvPr>
+          <p:cNvSpPr>
+            <a:spLocks noGrp="1"/>
+          </p:cNvSpPr>
+          <p:nvPr>
+            <p:ph type="title"/>
+          </p:nvPr>
+        </p:nvSpPr>
+        <p:spPr/>
+        <p:txBody>
+          <a:bodyPr/>
+          <a:lstStyle/>
+          <a:p>
+            <a:r>
+              <a:rPr lang="zh-CN" altLang="en-US" dirty="0"/>
+              <a:t>对称性</a:t>
+            </a:r>
+            <a:r>
+              <a:rPr lang="en-US" altLang="zh-CN" dirty="0"/>
+              <a:t>+VICReg </a:t>
+            </a:r>
+            <a:r>
+              <a:rPr lang="zh-CN" altLang="en-US" dirty="0"/>
+              <a:t>实验结果</a:t>
+            </a:r>
+            <a:endParaRPr lang="en-US" dirty="0"/>
+          </a:p>
+        </p:txBody>
+      </p:sp>
+      <mc:AlternateContent xmlns:mc="http://schemas.openxmlformats.org/markup-compatibility/2006">
+        <mc:Choice xmlns:a14="http://schemas.microsoft.com/office/drawing/2010/main" Requires="a14">
+          <p:sp>
+            <p:nvSpPr>
+              <p:cNvPr id="3" name="Content Placeholder 2">
+                <a:extLst>
+                  <a:ext uri="{FF2B5EF4-FFF2-40B4-BE49-F238E27FC236}">
+                    <a16:creationId xmlns:a16="http://schemas.microsoft.com/office/drawing/2014/main" id="{A5C2F964-2237-B7F1-2E60-051D52916F4D}"/>
+                  </a:ext>
+                </a:extLst>
+              </p:cNvPr>
+              <p:cNvSpPr>
+                <a:spLocks noGrp="1"/>
+              </p:cNvSpPr>
+              <p:nvPr>
+                <p:ph idx="1"/>
+              </p:nvPr>
+            </p:nvSpPr>
+            <p:spPr>
+              <a:xfrm>
+                <a:off x="838200" y="1825625"/>
+                <a:ext cx="10515600" cy="4667250"/>
+              </a:xfrm>
+            </p:spPr>
+            <p:txBody>
+              <a:bodyPr>
+                <a:normAutofit lnSpcReduction="10000"/>
+              </a:bodyPr>
+              <a:lstStyle/>
+              <a:p>
+                <a:r>
+                  <a:rPr lang="zh-CN" altLang="en-US" sz="3600" dirty="0"/>
+                  <a:t>第一层：</a:t>
+                </a:r>
+                <a:r>
+                  <a:rPr lang="en-US" altLang="zh-CN" sz="3600" dirty="0"/>
+                  <a:t>VICReg loss </a:t>
+                </a:r>
+                <a:r>
+                  <a:rPr lang="zh-CN" altLang="en-US" sz="3600" dirty="0"/>
+                  <a:t>降不下去。</a:t>
+                </a:r>
+                <a:endParaRPr lang="en-US" altLang="zh-CN" sz="3600" dirty="0"/>
+              </a:p>
+              <a:p>
+                <a:r>
+                  <a:rPr lang="zh-CN" altLang="en-US" sz="3600" dirty="0"/>
+                  <a:t>第二层：</a:t>
+                </a:r>
+                <a:r>
+                  <a:rPr lang="en-US" altLang="zh-CN" sz="3600" dirty="0"/>
+                  <a:t>VICReg loss </a:t>
+                </a:r>
+                <a:r>
+                  <a:rPr lang="zh-CN" altLang="en-US" sz="3600" dirty="0"/>
+                  <a:t>降了，但 </a:t>
+                </a:r>
+                <a14:m>
+                  <m:oMath xmlns:m="http://schemas.openxmlformats.org/officeDocument/2006/math">
+                    <m:r>
+                      <a:rPr lang="en-US" altLang="zh-CN" sz="3600" i="1" dirty="0" smtClean="0">
+                        <a:latin typeface="Cambria Math" panose="02040503050406030204" pitchFamily="18" charset="0"/>
+                      </a:rPr>
+                      <m:t>𝑧</m:t>
+                    </m:r>
+                  </m:oMath>
+                </a14:m>
+                <a:r>
+                  <a:rPr lang="en-US" altLang="zh-CN" sz="3600" dirty="0"/>
+                  <a:t> info </a:t>
+                </a:r>
+                <a:r>
+                  <a:rPr lang="zh-CN" altLang="en-US" sz="3600" dirty="0"/>
+                  <a:t>还是不够。</a:t>
+                </a:r>
+                <a:endParaRPr lang="en-US" altLang="zh-CN" sz="3600" dirty="0"/>
+              </a:p>
+              <a:p>
+                <a:pPr lvl="1"/>
+                <a:r>
+                  <a:rPr lang="zh-CN" altLang="en-US" sz="3200" dirty="0"/>
+                  <a:t>比如把 </a:t>
+                </a:r>
+                <a:r>
+                  <a:rPr lang="en-US" altLang="zh-CN" sz="3200" dirty="0"/>
+                  <a:t>3D position factor </a:t>
+                </a:r>
+                <a:r>
+                  <a:rPr lang="zh-CN" altLang="en-US" sz="3200" dirty="0"/>
+                  <a:t>硬 </a:t>
+                </a:r>
+                <a:r>
+                  <a:rPr lang="en-US" altLang="zh-CN" sz="3200" dirty="0"/>
+                  <a:t>encode </a:t>
+                </a:r>
+                <a:r>
+                  <a:rPr lang="zh-CN" altLang="en-US" sz="3200" dirty="0"/>
+                  <a:t>成了 </a:t>
+                </a:r>
+                <a:r>
+                  <a:rPr lang="en-US" altLang="zh-CN" sz="3200" dirty="0"/>
+                  <a:t>2D </a:t>
+                </a:r>
+                <a14:m>
+                  <m:oMath xmlns:m="http://schemas.openxmlformats.org/officeDocument/2006/math">
+                    <m:r>
+                      <a:rPr lang="en-US" altLang="zh-CN" sz="3200" i="1" dirty="0" smtClean="0">
+                        <a:latin typeface="Cambria Math" panose="02040503050406030204" pitchFamily="18" charset="0"/>
+                      </a:rPr>
+                      <m:t>𝑧</m:t>
+                    </m:r>
+                  </m:oMath>
+                </a14:m>
+                <a:r>
+                  <a:rPr lang="en-US" altLang="zh-CN" sz="3200" dirty="0"/>
+                  <a:t>, </a:t>
+                </a:r>
+                <a:r>
+                  <a:rPr lang="zh-CN" altLang="en-US" sz="3200" dirty="0"/>
+                  <a:t>理论上是可以骗过 </a:t>
+                </a:r>
+                <a:r>
+                  <a:rPr lang="en-US" altLang="zh-CN" sz="3200" dirty="0"/>
+                  <a:t>V </a:t>
+                </a:r>
+                <a:r>
+                  <a:rPr lang="zh-CN" altLang="en-US" sz="3200" dirty="0"/>
+                  <a:t>和 </a:t>
+                </a:r>
+                <a:r>
+                  <a:rPr lang="en-US" altLang="zh-CN" sz="3200" dirty="0"/>
+                  <a:t>C loss </a:t>
+                </a:r>
+                <a:r>
+                  <a:rPr lang="zh-CN" altLang="en-US" sz="3200" dirty="0"/>
+                  <a:t>的。</a:t>
+                </a:r>
+                <a:endParaRPr lang="en-US" altLang="zh-CN" sz="3200" dirty="0"/>
+              </a:p>
+              <a:p>
+                <a:r>
+                  <a:rPr lang="zh-CN" altLang="en-US" sz="3600" dirty="0"/>
+                  <a:t>第三层：</a:t>
+                </a:r>
+                <a14:m>
+                  <m:oMath xmlns:m="http://schemas.openxmlformats.org/officeDocument/2006/math">
+                    <m:r>
+                      <a:rPr lang="en-US" altLang="zh-CN" sz="3600" b="0" i="1" smtClean="0">
+                        <a:latin typeface="Cambria Math" panose="02040503050406030204" pitchFamily="18" charset="0"/>
+                      </a:rPr>
+                      <m:t>𝑧</m:t>
+                    </m:r>
+                  </m:oMath>
+                </a14:m>
+                <a:r>
+                  <a:rPr lang="en-US" sz="3600" dirty="0"/>
+                  <a:t> </a:t>
+                </a:r>
+                <a:r>
+                  <a:rPr lang="zh-CN" altLang="en-US" sz="3600" dirty="0"/>
+                  <a:t>信息够了，但和对称性结合 </a:t>
+                </a:r>
+                <a:r>
+                  <a:rPr lang="en-US" altLang="zh-CN" sz="3600" dirty="0"/>
+                  <a:t>somehow </a:t>
+                </a:r>
+                <a:r>
+                  <a:rPr lang="zh-CN" altLang="en-US" sz="3600" dirty="0"/>
+                  <a:t>无法得到好表征。</a:t>
+                </a:r>
+                <a:endParaRPr lang="en-US" altLang="zh-CN" sz="3600" dirty="0"/>
+              </a:p>
+              <a:p>
+                <a:pPr lvl="1"/>
+                <a:r>
+                  <a:rPr lang="zh-CN" altLang="en-US" sz="3200" dirty="0"/>
+                  <a:t>如何知道信息够了？</a:t>
+                </a:r>
+                <a:r>
+                  <a:rPr lang="en-US" altLang="zh-CN" sz="3200" dirty="0"/>
+                  <a:t>Decode x? Predict ground-truth coordinates? </a:t>
+                </a:r>
+              </a:p>
+              <a:p>
+                <a:r>
+                  <a:rPr lang="zh-CN" altLang="en-US" sz="3600" dirty="0"/>
+                  <a:t>第四层：成功。</a:t>
+                </a:r>
+                <a:endParaRPr lang="en-US" sz="3600" dirty="0"/>
+              </a:p>
+            </p:txBody>
+          </p:sp>
+        </mc:Choice>
+        <mc:Fallback>
+          <p:sp>
+            <p:nvSpPr>
+              <p:cNvPr id="3" name="Content Placeholder 2">
+                <a:extLst>
+                  <a:ext uri="{FF2B5EF4-FFF2-40B4-BE49-F238E27FC236}">
+                    <a16:creationId xmlns:a16="http://schemas.microsoft.com/office/drawing/2014/main" id="{A5C2F964-2237-B7F1-2E60-051D52916F4D}"/>
+                  </a:ext>
+                </a:extLst>
+              </p:cNvPr>
+              <p:cNvSpPr>
+                <a:spLocks noGrp="1" noRot="1" noChangeAspect="1" noMove="1" noResize="1" noEditPoints="1" noAdjustHandles="1" noChangeArrowheads="1" noChangeShapeType="1" noTextEdit="1"/>
+              </p:cNvSpPr>
+              <p:nvPr>
+                <p:ph idx="1"/>
+              </p:nvPr>
+            </p:nvSpPr>
+            <p:spPr>
+              <a:xfrm>
+                <a:off x="838200" y="1825625"/>
+                <a:ext cx="10515600" cy="4667250"/>
+              </a:xfrm>
+              <a:blipFill>
+                <a:blip r:embed="rId2"/>
+                <a:stretch>
+                  <a:fillRect l="-1623" t="-4047" r="-1449"/>
+                </a:stretch>
+              </a:blipFill>
+            </p:spPr>
+            <p:txBody>
+              <a:bodyPr/>
+              <a:lstStyle/>
+              <a:p>
+                <a:r>
+                  <a:rPr lang="en-US">
+                    <a:noFill/>
+                  </a:rPr>
+                  <a:t> </a:t>
+                </a:r>
+              </a:p>
+            </p:txBody>
+          </p:sp>
+        </mc:Fallback>
+      </mc:AlternateContent>
+    </p:spTree>
+    <p:extLst>
+      <p:ext uri="{BB962C8B-B14F-4D97-AF65-F5344CB8AC3E}">
+        <p14:creationId xmlns:p14="http://schemas.microsoft.com/office/powerpoint/2010/main" val="1391076439"/>
       </p:ext>
     </p:extLst>
   </p:cSld>
@@ -8450,7 +9058,45 @@
             </a:r>
           </a:p>
           <a:p>
+            <a:r>
+              <a:rPr lang="zh-CN" altLang="en-US" sz="3600" dirty="0"/>
+              <a:t>想要利用 </a:t>
+            </a:r>
+            <a:r>
+              <a:rPr lang="en-US" sz="3600" dirty="0"/>
+              <a:t>“instance as class” </a:t>
+            </a:r>
+            <a:r>
+              <a:rPr lang="zh-CN" altLang="en-US" sz="3600" dirty="0"/>
+              <a:t>在自监督地做 </a:t>
+            </a:r>
+            <a:r>
+              <a:rPr lang="en-US" altLang="zh-CN" sz="3600" dirty="0"/>
+              <a:t>“metric learning”, </a:t>
+            </a:r>
+            <a:r>
+              <a:rPr lang="zh-CN" altLang="en-US" sz="3600" dirty="0"/>
+              <a:t>你需要 </a:t>
+            </a:r>
+            <a:r>
+              <a:rPr lang="en-US" altLang="zh-CN" sz="3600" dirty="0"/>
+              <a:t>data augmentation </a:t>
+            </a:r>
+            <a:r>
+              <a:rPr lang="zh-CN" altLang="en-US" sz="3600" dirty="0"/>
+              <a:t>和 </a:t>
+            </a:r>
+            <a:r>
+              <a:rPr lang="en-US" altLang="zh-CN" sz="3600" dirty="0"/>
+              <a:t>contrastive method. </a:t>
+            </a:r>
+          </a:p>
+          <a:p>
             <a:pPr lvl="1"/>
+            <a:r>
+              <a:rPr lang="zh-CN" altLang="en-US" sz="3200" dirty="0"/>
+              <a:t>还有其他的可能性，</a:t>
+            </a:r>
             <a:r>
               <a:rPr lang="en-US" sz="3200" dirty="0"/>
               <a:t>e.g. music </a:t>
@@ -8460,41 +9106,6 @@
               <a:t>起承转合。</a:t>
             </a:r>
             <a:endParaRPr lang="en-US" sz="3200" dirty="0"/>
-          </a:p>
-          <a:p>
-            <a:r>
-              <a:rPr lang="zh-CN" altLang="en-US" sz="3600" dirty="0"/>
-              <a:t>想要利用 </a:t>
-            </a:r>
-            <a:r>
-              <a:rPr lang="en-US" sz="3600" dirty="0"/>
-              <a:t>“instance as class” </a:t>
-            </a:r>
-            <a:r>
-              <a:rPr lang="zh-CN" altLang="en-US" sz="3600" dirty="0"/>
-              <a:t>在自监督地做 </a:t>
-            </a:r>
-            <a:r>
-              <a:rPr lang="en-US" altLang="zh-CN" sz="3600" dirty="0"/>
-              <a:t>“metric learning”, </a:t>
-            </a:r>
-            <a:r>
-              <a:rPr lang="zh-CN" altLang="en-US" sz="3600" dirty="0"/>
-              <a:t>你需要 </a:t>
-            </a:r>
-            <a:r>
-              <a:rPr lang="en-US" altLang="zh-CN" sz="3600" dirty="0"/>
-              <a:t>data augmentation </a:t>
-            </a:r>
-            <a:r>
-              <a:rPr lang="zh-CN" altLang="en-US" sz="3600" dirty="0"/>
-              <a:t>和 </a:t>
-            </a:r>
-            <a:r>
-              <a:rPr lang="en-US" altLang="zh-CN" sz="3600" dirty="0"/>
-              <a:t>contrastive method. </a:t>
-            </a:r>
-            <a:endParaRPr lang="en-US" sz="3600" dirty="0"/>
           </a:p>
         </p:txBody>
       </p:sp>
